--- a/static/EyeTracking.pptx
+++ b/static/EyeTracking.pptx
@@ -5,7 +5,7 @@
     <p:sldMasterId id="2147483660" r:id="rId1"/>
   </p:sldMasterIdLst>
   <p:notesMasterIdLst>
-    <p:notesMasterId r:id="rId30"/>
+    <p:notesMasterId r:id="rId29"/>
   </p:notesMasterIdLst>
   <p:sldIdLst>
     <p:sldId id="256" r:id="rId2"/>
@@ -35,7 +35,6 @@
     <p:sldId id="278" r:id="rId26"/>
     <p:sldId id="279" r:id="rId27"/>
     <p:sldId id="280" r:id="rId28"/>
-    <p:sldId id="288" r:id="rId29"/>
   </p:sldIdLst>
   <p:sldSz cx="9144000" cy="5143500" type="screen16x9"/>
   <p:notesSz cx="6858000" cy="9144000"/>
@@ -241,7 +240,75 @@
       </a:defRPr>
     </a:lvl9pPr>
   </p:defaultTextStyle>
+  <p:extLst>
+    <p:ext uri="{EFAFB233-063F-42B5-8137-9DF3F51BA10A}">
+      <p15:sldGuideLst xmlns:p15="http://schemas.microsoft.com/office/powerpoint/2012/main">
+        <p15:guide id="1" orient="horz" pos="1620">
+          <p15:clr>
+            <a:srgbClr val="A4A3A4"/>
+          </p15:clr>
+        </p15:guide>
+        <p15:guide id="2" pos="2880">
+          <p15:clr>
+            <a:srgbClr val="A4A3A4"/>
+          </p15:clr>
+        </p15:guide>
+      </p15:sldGuideLst>
+    </p:ext>
+  </p:extLst>
 </p:presentation>
+</file>
+
+<file path=ppt/changesInfos/changesInfo1.xml><?xml version="1.0" encoding="utf-8"?>
+<pc:chgInfo xmlns:a="http://schemas.openxmlformats.org/drawingml/2006/main" xmlns:r="http://schemas.openxmlformats.org/officeDocument/2006/relationships" xmlns:ac="http://schemas.microsoft.com/office/drawing/2013/main/command" xmlns:pc="http://schemas.microsoft.com/office/powerpoint/2013/main/command">
+  <pc:docChgLst>
+    <pc:chgData name="Chekuri, Omkar Saiswaroop Varma" userId="aea0c856-afe9-4b4b-a7b5-520f400f9753" providerId="ADAL" clId="{FBF17F94-E7C6-4836-BCE4-7EEBED8EEE16}"/>
+    <pc:docChg chg="undo custSel delSld modSld">
+      <pc:chgData name="Chekuri, Omkar Saiswaroop Varma" userId="aea0c856-afe9-4b4b-a7b5-520f400f9753" providerId="ADAL" clId="{FBF17F94-E7C6-4836-BCE4-7EEBED8EEE16}" dt="2024-03-27T23:25:56.048" v="4" actId="2696"/>
+      <pc:docMkLst>
+        <pc:docMk/>
+      </pc:docMkLst>
+      <pc:sldChg chg="addSp delSp modSp mod">
+        <pc:chgData name="Chekuri, Omkar Saiswaroop Varma" userId="aea0c856-afe9-4b4b-a7b5-520f400f9753" providerId="ADAL" clId="{FBF17F94-E7C6-4836-BCE4-7EEBED8EEE16}" dt="2024-03-27T23:25:50.403" v="3" actId="478"/>
+        <pc:sldMkLst>
+          <pc:docMk/>
+          <pc:sldMk cId="0" sldId="256"/>
+        </pc:sldMkLst>
+        <pc:spChg chg="add del">
+          <ac:chgData name="Chekuri, Omkar Saiswaroop Varma" userId="aea0c856-afe9-4b4b-a7b5-520f400f9753" providerId="ADAL" clId="{FBF17F94-E7C6-4836-BCE4-7EEBED8EEE16}" dt="2024-03-27T23:25:44.626" v="1" actId="22"/>
+          <ac:spMkLst>
+            <pc:docMk/>
+            <pc:sldMk cId="0" sldId="256"/>
+            <ac:spMk id="3" creationId="{2B928873-3AF1-A0AC-BA5B-BC7FDDD3B0AD}"/>
+          </ac:spMkLst>
+        </pc:spChg>
+        <pc:spChg chg="mod">
+          <ac:chgData name="Chekuri, Omkar Saiswaroop Varma" userId="aea0c856-afe9-4b4b-a7b5-520f400f9753" providerId="ADAL" clId="{FBF17F94-E7C6-4836-BCE4-7EEBED8EEE16}" dt="2024-03-27T23:25:48.013" v="2" actId="6549"/>
+          <ac:spMkLst>
+            <pc:docMk/>
+            <pc:sldMk cId="0" sldId="256"/>
+            <ac:spMk id="96" creationId="{00000000-0000-0000-0000-000000000000}"/>
+          </ac:spMkLst>
+        </pc:spChg>
+        <pc:spChg chg="del">
+          <ac:chgData name="Chekuri, Omkar Saiswaroop Varma" userId="aea0c856-afe9-4b4b-a7b5-520f400f9753" providerId="ADAL" clId="{FBF17F94-E7C6-4836-BCE4-7EEBED8EEE16}" dt="2024-03-27T23:25:50.403" v="3" actId="478"/>
+          <ac:spMkLst>
+            <pc:docMk/>
+            <pc:sldMk cId="0" sldId="256"/>
+            <ac:spMk id="97" creationId="{00000000-0000-0000-0000-000000000000}"/>
+          </ac:spMkLst>
+        </pc:spChg>
+      </pc:sldChg>
+      <pc:sldChg chg="del">
+        <pc:chgData name="Chekuri, Omkar Saiswaroop Varma" userId="aea0c856-afe9-4b4b-a7b5-520f400f9753" providerId="ADAL" clId="{FBF17F94-E7C6-4836-BCE4-7EEBED8EEE16}" dt="2024-03-27T23:25:56.048" v="4" actId="2696"/>
+        <pc:sldMkLst>
+          <pc:docMk/>
+          <pc:sldMk cId="3370144244" sldId="288"/>
+        </pc:sldMkLst>
+      </pc:sldChg>
+    </pc:docChg>
+  </pc:docChgLst>
+</pc:chgInfo>
 </file>
 
 <file path=ppt/notesMasters/notesMaster1.xml><?xml version="1.0" encoding="utf-8"?>
@@ -2445,130 +2512,6 @@
 </file>
 
 <file path=ppt/notesSlides/notesSlide24.xml><?xml version="1.0" encoding="utf-8"?>
-<p:notes xmlns:a="http://schemas.openxmlformats.org/drawingml/2006/main" xmlns:r="http://schemas.openxmlformats.org/officeDocument/2006/relationships" xmlns:p="http://schemas.openxmlformats.org/presentationml/2006/main" showMasterSp="0" showMasterPhAnim="0">
-  <p:cSld>
-    <p:spTree>
-      <p:nvGrpSpPr>
-        <p:cNvPr id="1" name="Shape 301"/>
-        <p:cNvGrpSpPr/>
-        <p:nvPr/>
-      </p:nvGrpSpPr>
-      <p:grpSpPr>
-        <a:xfrm>
-          <a:off x="0" y="0"/>
-          <a:ext cx="0" cy="0"/>
-          <a:chOff x="0" y="0"/>
-          <a:chExt cx="0" cy="0"/>
-        </a:xfrm>
-      </p:grpSpPr>
-      <p:sp>
-        <p:nvSpPr>
-          <p:cNvPr id="302" name="Shape 302"/>
-          <p:cNvSpPr>
-            <a:spLocks noGrp="1" noRot="1" noChangeAspect="1"/>
-          </p:cNvSpPr>
-          <p:nvPr>
-            <p:ph type="sldImg" idx="2"/>
-          </p:nvPr>
-        </p:nvSpPr>
-        <p:spPr>
-          <a:xfrm>
-            <a:off x="381000" y="685800"/>
-            <a:ext cx="6096000" cy="3429000"/>
-          </a:xfrm>
-          <a:custGeom>
-            <a:avLst/>
-            <a:gdLst/>
-            <a:ahLst/>
-            <a:cxnLst/>
-            <a:rect l="0" t="0" r="0" b="0"/>
-            <a:pathLst>
-              <a:path w="120000" h="120000" extrusionOk="0">
-                <a:moveTo>
-                  <a:pt x="0" y="0"/>
-                </a:moveTo>
-                <a:lnTo>
-                  <a:pt x="120000" y="0"/>
-                </a:lnTo>
-                <a:lnTo>
-                  <a:pt x="120000" y="120000"/>
-                </a:lnTo>
-                <a:lnTo>
-                  <a:pt x="0" y="120000"/>
-                </a:lnTo>
-                <a:close/>
-              </a:path>
-            </a:pathLst>
-          </a:custGeom>
-          <a:noFill/>
-          <a:ln w="9525" cap="flat" cmpd="sng">
-            <a:solidFill>
-              <a:srgbClr val="000000"/>
-            </a:solidFill>
-            <a:prstDash val="solid"/>
-            <a:round/>
-            <a:headEnd type="none" w="med" len="med"/>
-            <a:tailEnd type="none" w="med" len="med"/>
-          </a:ln>
-        </p:spPr>
-      </p:sp>
-      <p:sp>
-        <p:nvSpPr>
-          <p:cNvPr id="303" name="Shape 303"/>
-          <p:cNvSpPr txBox="1">
-            <a:spLocks noGrp="1"/>
-          </p:cNvSpPr>
-          <p:nvPr>
-            <p:ph type="body" idx="1"/>
-          </p:nvPr>
-        </p:nvSpPr>
-        <p:spPr>
-          <a:xfrm>
-            <a:off x="685800" y="4343400"/>
-            <a:ext cx="5486399" cy="4114800"/>
-          </a:xfrm>
-          <a:prstGeom prst="rect">
-            <a:avLst/>
-          </a:prstGeom>
-          <a:noFill/>
-          <a:ln>
-            <a:noFill/>
-          </a:ln>
-        </p:spPr>
-        <p:txBody>
-          <a:bodyPr lIns="91425" tIns="91425" rIns="91425" bIns="91425" anchor="t" anchorCtr="0">
-            <a:noAutofit/>
-          </a:bodyPr>
-          <a:lstStyle/>
-          <a:p>
-            <a:pPr marL="0" marR="0" lvl="0" indent="0" algn="l" rtl="0">
-              <a:spcBef>
-                <a:spcPts val="0"/>
-              </a:spcBef>
-              <a:buSzPct val="25000"/>
-              <a:buNone/>
-            </a:pPr>
-            <a:endParaRPr sz="1100" b="0" i="0" u="none" strike="noStrike" cap="none">
-              <a:solidFill>
-                <a:schemeClr val="dk1"/>
-              </a:solidFill>
-              <a:latin typeface="Arial"/>
-              <a:ea typeface="Arial"/>
-              <a:cs typeface="Arial"/>
-              <a:sym typeface="Arial"/>
-            </a:endParaRPr>
-          </a:p>
-        </p:txBody>
-      </p:sp>
-    </p:spTree>
-  </p:cSld>
-  <p:clrMapOvr>
-    <a:masterClrMapping/>
-  </p:clrMapOvr>
-</p:notes>
-</file>
-
-<file path=ppt/notesSlides/notesSlide25.xml><?xml version="1.0" encoding="utf-8"?>
 <p:notes xmlns:a="http://schemas.openxmlformats.org/drawingml/2006/main" xmlns:r="http://schemas.openxmlformats.org/officeDocument/2006/relationships" xmlns:p="http://schemas.openxmlformats.org/presentationml/2006/main" showMasterSp="0" showMasterPhAnim="0">
   <p:cSld>
     <p:spTree>
@@ -16578,7 +16521,7 @@
               <a:buNone/>
             </a:pPr>
             <a:r>
-              <a:rPr lang="en-US" sz="1800" b="1" i="0" u="none" strike="noStrike" cap="none">
+              <a:rPr lang="en-US" sz="1800" b="0" i="0" u="none" strike="noStrike" cap="none" dirty="0">
                 <a:solidFill>
                   <a:srgbClr val="1F1D24"/>
                 </a:solidFill>
@@ -16587,53 +16530,22 @@
                 <a:cs typeface="Arial"/>
                 <a:sym typeface="Arial"/>
               </a:rPr>
-              <a:t>Group D:</a:t>
+              <a:t>Omkar Saiswaroop Varma Chekuri</a:t>
             </a:r>
           </a:p>
           <a:p>
             <a:pPr marL="0" marR="0" lvl="0" indent="0" algn="ctr" rtl="0">
-              <a:lnSpc>
-                <a:spcPct val="115000"/>
-              </a:lnSpc>
-              <a:spcBef>
-                <a:spcPts val="0"/>
-              </a:spcBef>
-              <a:spcAft>
-                <a:spcPts val="0"/>
-              </a:spcAft>
-              <a:buClr>
-                <a:schemeClr val="dk1"/>
+              <a:spcBef>
+                <a:spcPts val="0"/>
+              </a:spcBef>
+              <a:buClr>
+                <a:schemeClr val="accent1"/>
               </a:buClr>
               <a:buSzPct val="25000"/>
               <a:buFont typeface="Arial"/>
               <a:buNone/>
             </a:pPr>
-            <a:r>
-              <a:rPr lang="en-US" sz="1800" b="0" i="0" u="none" strike="noStrike" cap="none">
-                <a:solidFill>
-                  <a:srgbClr val="1F1D24"/>
-                </a:solidFill>
-                <a:latin typeface="Arial"/>
-                <a:ea typeface="Arial"/>
-                <a:cs typeface="Arial"/>
-                <a:sym typeface="Arial"/>
-              </a:rPr>
-              <a:t>Farah Al Saif, Ivan Calderoni, and Omkar Saiswaroop Varma Chekuri</a:t>
-            </a:r>
-          </a:p>
-          <a:p>
-            <a:pPr marL="0" marR="0" lvl="0" indent="0" algn="ctr" rtl="0">
-              <a:spcBef>
-                <a:spcPts val="0"/>
-              </a:spcBef>
-              <a:buClr>
-                <a:schemeClr val="accent1"/>
-              </a:buClr>
-              <a:buSzPct val="25000"/>
-              <a:buFont typeface="Arial"/>
-              <a:buNone/>
-            </a:pPr>
-            <a:endParaRPr sz="2400" b="0" i="0" u="none" strike="noStrike" cap="none">
+            <a:endParaRPr sz="2400" b="0" i="0" u="none" strike="noStrike" cap="none" dirty="0">
               <a:solidFill>
                 <a:srgbClr val="8A6D5D"/>
               </a:solidFill>
@@ -16642,75 +16554,6 @@
               <a:cs typeface="Arial"/>
               <a:sym typeface="Arial"/>
             </a:endParaRPr>
-          </a:p>
-        </p:txBody>
-      </p:sp>
-      <p:sp>
-        <p:nvSpPr>
-          <p:cNvPr id="97" name="Shape 97"/>
-          <p:cNvSpPr txBox="1"/>
-          <p:nvPr/>
-        </p:nvSpPr>
-        <p:spPr>
-          <a:xfrm>
-            <a:off x="8284684" y="4901523"/>
-            <a:ext cx="780983" cy="307777"/>
-          </a:xfrm>
-          <a:prstGeom prst="rect">
-            <a:avLst/>
-          </a:prstGeom>
-          <a:noFill/>
-          <a:ln>
-            <a:noFill/>
-          </a:ln>
-        </p:spPr>
-        <p:txBody>
-          <a:bodyPr lIns="91425" tIns="45700" rIns="91425" bIns="45700" anchor="t" anchorCtr="0">
-            <a:noAutofit/>
-          </a:bodyPr>
-          <a:lstStyle/>
-          <a:p>
-            <a:pPr marL="0" marR="0" lvl="0" indent="0" algn="l" rtl="0">
-              <a:lnSpc>
-                <a:spcPct val="100000"/>
-              </a:lnSpc>
-              <a:spcBef>
-                <a:spcPts val="0"/>
-              </a:spcBef>
-              <a:spcAft>
-                <a:spcPts val="0"/>
-              </a:spcAft>
-              <a:buClr>
-                <a:schemeClr val="lt1"/>
-              </a:buClr>
-              <a:buSzPct val="25000"/>
-              <a:buFont typeface="Arial"/>
-              <a:buNone/>
-            </a:pPr>
-            <a:r>
-              <a:rPr lang="en-US" sz="1400" b="0" i="0" u="none" strike="noStrike" cap="none" dirty="0" smtClean="0">
-                <a:solidFill>
-                  <a:schemeClr val="lt1"/>
-                </a:solidFill>
-                <a:latin typeface="Arial"/>
-                <a:ea typeface="Arial"/>
-                <a:cs typeface="Arial"/>
-                <a:sym typeface="Arial"/>
-              </a:rPr>
-              <a:t>5/1/</a:t>
-            </a:r>
-            <a:r>
-              <a:rPr lang="en-US" sz="1400" b="0" i="0" u="none" strike="noStrike" cap="none" dirty="0">
-                <a:solidFill>
-                  <a:schemeClr val="lt1"/>
-                </a:solidFill>
-                <a:latin typeface="Arial"/>
-                <a:ea typeface="Arial"/>
-                <a:cs typeface="Arial"/>
-                <a:sym typeface="Arial"/>
-              </a:rPr>
-              <a:t>17</a:t>
-            </a:r>
           </a:p>
         </p:txBody>
       </p:sp>
@@ -17300,31 +17143,7 @@
                 <a:cs typeface="Arial"/>
                 <a:sym typeface="Arial"/>
               </a:rPr>
-              <a:t>For Scenario 1: Countdown </a:t>
-            </a:r>
-            <a:r>
-              <a:rPr lang="en-US" sz="1800" b="0" i="0" u="none" strike="noStrike" cap="none" dirty="0" smtClean="0">
-                <a:solidFill>
-                  <a:srgbClr val="000000"/>
-                </a:solidFill>
-                <a:latin typeface="Arial"/>
-                <a:ea typeface="Arial"/>
-                <a:cs typeface="Arial"/>
-                <a:sym typeface="Arial"/>
-              </a:rPr>
-              <a:t>Only</a:t>
-            </a:r>
-            <a:r>
-              <a:rPr lang="en-US" sz="1800" b="0" i="0" u="none" strike="noStrike" cap="none" dirty="0">
-                <a:solidFill>
-                  <a:srgbClr val="000000"/>
-                </a:solidFill>
-                <a:latin typeface="Arial"/>
-                <a:ea typeface="Arial"/>
-                <a:cs typeface="Arial"/>
-                <a:sym typeface="Arial"/>
-              </a:rPr>
-              <a:t>.</a:t>
+              <a:t>For Scenario 1: Countdown Only.</a:t>
             </a:r>
           </a:p>
         </p:txBody>
@@ -17350,28 +17169,28 @@
                 <a:gridCol w="1301775">
                   <a:extLst>
                     <a:ext uri="{9D8B030D-6E8A-4147-A177-3AD203B41FA5}">
-                      <a16:colId xmlns:a16="http://schemas.microsoft.com/office/drawing/2014/main" xmlns="" val="20000"/>
+                      <a16:colId xmlns:a16="http://schemas.microsoft.com/office/drawing/2014/main" val="20000"/>
                     </a:ext>
                   </a:extLst>
                 </a:gridCol>
                 <a:gridCol w="868825">
                   <a:extLst>
                     <a:ext uri="{9D8B030D-6E8A-4147-A177-3AD203B41FA5}">
-                      <a16:colId xmlns:a16="http://schemas.microsoft.com/office/drawing/2014/main" xmlns="" val="20001"/>
+                      <a16:colId xmlns:a16="http://schemas.microsoft.com/office/drawing/2014/main" val="20001"/>
                     </a:ext>
                   </a:extLst>
                 </a:gridCol>
                 <a:gridCol w="878875">
                   <a:extLst>
                     <a:ext uri="{9D8B030D-6E8A-4147-A177-3AD203B41FA5}">
-                      <a16:colId xmlns:a16="http://schemas.microsoft.com/office/drawing/2014/main" xmlns="" val="20002"/>
+                      <a16:colId xmlns:a16="http://schemas.microsoft.com/office/drawing/2014/main" val="20002"/>
                     </a:ext>
                   </a:extLst>
                 </a:gridCol>
                 <a:gridCol w="1111025">
                   <a:extLst>
                     <a:ext uri="{9D8B030D-6E8A-4147-A177-3AD203B41FA5}">
-                      <a16:colId xmlns:a16="http://schemas.microsoft.com/office/drawing/2014/main" xmlns="" val="20003"/>
+                      <a16:colId xmlns:a16="http://schemas.microsoft.com/office/drawing/2014/main" val="20003"/>
                     </a:ext>
                   </a:extLst>
                 </a:gridCol>
@@ -17475,7 +17294,7 @@
                 </a:tc>
                 <a:extLst>
                   <a:ext uri="{0D108BD9-81ED-4DB2-BD59-A6C34878D82A}">
-                    <a16:rowId xmlns:a16="http://schemas.microsoft.com/office/drawing/2014/main" xmlns="" val="10000"/>
+                    <a16:rowId xmlns:a16="http://schemas.microsoft.com/office/drawing/2014/main" val="10000"/>
                   </a:ext>
                 </a:extLst>
               </a:tr>
@@ -17578,7 +17397,7 @@
                 </a:tc>
                 <a:extLst>
                   <a:ext uri="{0D108BD9-81ED-4DB2-BD59-A6C34878D82A}">
-                    <a16:rowId xmlns:a16="http://schemas.microsoft.com/office/drawing/2014/main" xmlns="" val="10001"/>
+                    <a16:rowId xmlns:a16="http://schemas.microsoft.com/office/drawing/2014/main" val="10001"/>
                   </a:ext>
                 </a:extLst>
               </a:tr>
@@ -17681,7 +17500,7 @@
                 </a:tc>
                 <a:extLst>
                   <a:ext uri="{0D108BD9-81ED-4DB2-BD59-A6C34878D82A}">
-                    <a16:rowId xmlns:a16="http://schemas.microsoft.com/office/drawing/2014/main" xmlns="" val="10002"/>
+                    <a16:rowId xmlns:a16="http://schemas.microsoft.com/office/drawing/2014/main" val="10002"/>
                   </a:ext>
                 </a:extLst>
               </a:tr>
@@ -17784,7 +17603,7 @@
                 </a:tc>
                 <a:extLst>
                   <a:ext uri="{0D108BD9-81ED-4DB2-BD59-A6C34878D82A}">
-                    <a16:rowId xmlns:a16="http://schemas.microsoft.com/office/drawing/2014/main" xmlns="" val="10003"/>
+                    <a16:rowId xmlns:a16="http://schemas.microsoft.com/office/drawing/2014/main" val="10003"/>
                   </a:ext>
                 </a:extLst>
               </a:tr>
@@ -17887,7 +17706,7 @@
                 </a:tc>
                 <a:extLst>
                   <a:ext uri="{0D108BD9-81ED-4DB2-BD59-A6C34878D82A}">
-                    <a16:rowId xmlns:a16="http://schemas.microsoft.com/office/drawing/2014/main" xmlns="" val="10004"/>
+                    <a16:rowId xmlns:a16="http://schemas.microsoft.com/office/drawing/2014/main" val="10004"/>
                   </a:ext>
                 </a:extLst>
               </a:tr>
@@ -17990,7 +17809,7 @@
                 </a:tc>
                 <a:extLst>
                   <a:ext uri="{0D108BD9-81ED-4DB2-BD59-A6C34878D82A}">
-                    <a16:rowId xmlns:a16="http://schemas.microsoft.com/office/drawing/2014/main" xmlns="" val="10005"/>
+                    <a16:rowId xmlns:a16="http://schemas.microsoft.com/office/drawing/2014/main" val="10005"/>
                   </a:ext>
                 </a:extLst>
               </a:tr>
@@ -18025,28 +17844,28 @@
                 <a:gridCol w="1300250">
                   <a:extLst>
                     <a:ext uri="{9D8B030D-6E8A-4147-A177-3AD203B41FA5}">
-                      <a16:colId xmlns:a16="http://schemas.microsoft.com/office/drawing/2014/main" xmlns="" val="20000"/>
+                      <a16:colId xmlns:a16="http://schemas.microsoft.com/office/drawing/2014/main" val="20000"/>
                     </a:ext>
                   </a:extLst>
                 </a:gridCol>
                 <a:gridCol w="867800">
                   <a:extLst>
                     <a:ext uri="{9D8B030D-6E8A-4147-A177-3AD203B41FA5}">
-                      <a16:colId xmlns:a16="http://schemas.microsoft.com/office/drawing/2014/main" xmlns="" val="20001"/>
+                      <a16:colId xmlns:a16="http://schemas.microsoft.com/office/drawing/2014/main" val="20001"/>
                     </a:ext>
                   </a:extLst>
                 </a:gridCol>
                 <a:gridCol w="877850">
                   <a:extLst>
                     <a:ext uri="{9D8B030D-6E8A-4147-A177-3AD203B41FA5}">
-                      <a16:colId xmlns:a16="http://schemas.microsoft.com/office/drawing/2014/main" xmlns="" val="20002"/>
+                      <a16:colId xmlns:a16="http://schemas.microsoft.com/office/drawing/2014/main" val="20002"/>
                     </a:ext>
                   </a:extLst>
                 </a:gridCol>
                 <a:gridCol w="1109725">
                   <a:extLst>
                     <a:ext uri="{9D8B030D-6E8A-4147-A177-3AD203B41FA5}">
-                      <a16:colId xmlns:a16="http://schemas.microsoft.com/office/drawing/2014/main" xmlns="" val="20003"/>
+                      <a16:colId xmlns:a16="http://schemas.microsoft.com/office/drawing/2014/main" val="20003"/>
                     </a:ext>
                   </a:extLst>
                 </a:gridCol>
@@ -18150,7 +17969,7 @@
                 </a:tc>
                 <a:extLst>
                   <a:ext uri="{0D108BD9-81ED-4DB2-BD59-A6C34878D82A}">
-                    <a16:rowId xmlns:a16="http://schemas.microsoft.com/office/drawing/2014/main" xmlns="" val="10000"/>
+                    <a16:rowId xmlns:a16="http://schemas.microsoft.com/office/drawing/2014/main" val="10000"/>
                   </a:ext>
                 </a:extLst>
               </a:tr>
@@ -18253,7 +18072,7 @@
                 </a:tc>
                 <a:extLst>
                   <a:ext uri="{0D108BD9-81ED-4DB2-BD59-A6C34878D82A}">
-                    <a16:rowId xmlns:a16="http://schemas.microsoft.com/office/drawing/2014/main" xmlns="" val="10001"/>
+                    <a16:rowId xmlns:a16="http://schemas.microsoft.com/office/drawing/2014/main" val="10001"/>
                   </a:ext>
                 </a:extLst>
               </a:tr>
@@ -18356,7 +18175,7 @@
                 </a:tc>
                 <a:extLst>
                   <a:ext uri="{0D108BD9-81ED-4DB2-BD59-A6C34878D82A}">
-                    <a16:rowId xmlns:a16="http://schemas.microsoft.com/office/drawing/2014/main" xmlns="" val="10002"/>
+                    <a16:rowId xmlns:a16="http://schemas.microsoft.com/office/drawing/2014/main" val="10002"/>
                   </a:ext>
                 </a:extLst>
               </a:tr>
@@ -18459,7 +18278,7 @@
                 </a:tc>
                 <a:extLst>
                   <a:ext uri="{0D108BD9-81ED-4DB2-BD59-A6C34878D82A}">
-                    <a16:rowId xmlns:a16="http://schemas.microsoft.com/office/drawing/2014/main" xmlns="" val="10003"/>
+                    <a16:rowId xmlns:a16="http://schemas.microsoft.com/office/drawing/2014/main" val="10003"/>
                   </a:ext>
                 </a:extLst>
               </a:tr>
@@ -18562,7 +18381,7 @@
                 </a:tc>
                 <a:extLst>
                   <a:ext uri="{0D108BD9-81ED-4DB2-BD59-A6C34878D82A}">
-                    <a16:rowId xmlns:a16="http://schemas.microsoft.com/office/drawing/2014/main" xmlns="" val="10004"/>
+                    <a16:rowId xmlns:a16="http://schemas.microsoft.com/office/drawing/2014/main" val="10004"/>
                   </a:ext>
                 </a:extLst>
               </a:tr>
@@ -18665,7 +18484,7 @@
                 </a:tc>
                 <a:extLst>
                   <a:ext uri="{0D108BD9-81ED-4DB2-BD59-A6C34878D82A}">
-                    <a16:rowId xmlns:a16="http://schemas.microsoft.com/office/drawing/2014/main" xmlns="" val="10005"/>
+                    <a16:rowId xmlns:a16="http://schemas.microsoft.com/office/drawing/2014/main" val="10005"/>
                   </a:ext>
                 </a:extLst>
               </a:tr>
@@ -18768,7 +18587,7 @@
                 </a:tc>
                 <a:extLst>
                   <a:ext uri="{0D108BD9-81ED-4DB2-BD59-A6C34878D82A}">
-                    <a16:rowId xmlns:a16="http://schemas.microsoft.com/office/drawing/2014/main" xmlns="" val="10006"/>
+                    <a16:rowId xmlns:a16="http://schemas.microsoft.com/office/drawing/2014/main" val="10006"/>
                   </a:ext>
                 </a:extLst>
               </a:tr>
@@ -18895,11 +18714,7 @@
             </a:pPr>
             <a:r>
               <a:rPr lang="en-US" sz="1600" dirty="0"/>
-              <a:t>The skip feature was seen for a total eye fixation duration of 4.49 </a:t>
-            </a:r>
-            <a:r>
-              <a:rPr lang="en-US" sz="1600" dirty="0" smtClean="0"/>
-              <a:t>seconds for the 10 subjects.</a:t>
+              <a:t>The skip feature was seen for a total eye fixation duration of 4.49 seconds for the 10 subjects.</a:t>
             </a:r>
           </a:p>
         </p:txBody>
@@ -18909,13 +18724,6 @@
   <p:clrMapOvr>
     <a:masterClrMapping/>
   </p:clrMapOvr>
-  <p:timing>
-    <p:tnLst>
-      <p:par>
-        <p:cTn xmlns:p14="http://schemas.microsoft.com/office/powerpoint/2010/main" id="1" dur="indefinite" restart="never" nodeType="tmRoot"/>
-      </p:par>
-    </p:tnLst>
-  </p:timing>
 </p:sld>
 </file>
 
@@ -19183,13 +18991,6 @@
   <p:clrMapOvr>
     <a:masterClrMapping/>
   </p:clrMapOvr>
-  <p:timing>
-    <p:tnLst>
-      <p:par>
-        <p:cTn xmlns:p14="http://schemas.microsoft.com/office/powerpoint/2010/main" id="1" dur="indefinite" restart="never" nodeType="tmRoot"/>
-      </p:par>
-    </p:tnLst>
-  </p:timing>
 </p:sld>
 </file>
 
@@ -19387,31 +19188,7 @@
                 <a:cs typeface="Arial"/>
                 <a:sym typeface="Arial"/>
               </a:rPr>
-              <a:t>For Scenario 1: Countdown </a:t>
-            </a:r>
-            <a:r>
-              <a:rPr lang="en-US" sz="1800" b="0" i="0" u="none" strike="noStrike" cap="none" dirty="0" smtClean="0">
-                <a:solidFill>
-                  <a:srgbClr val="1A1911"/>
-                </a:solidFill>
-                <a:latin typeface="Arial"/>
-                <a:ea typeface="Arial"/>
-                <a:cs typeface="Arial"/>
-                <a:sym typeface="Arial"/>
-              </a:rPr>
-              <a:t>Only</a:t>
-            </a:r>
-            <a:r>
-              <a:rPr lang="en-US" sz="1800" b="0" i="0" u="none" strike="noStrike" cap="none" dirty="0">
-                <a:solidFill>
-                  <a:srgbClr val="1A1911"/>
-                </a:solidFill>
-                <a:latin typeface="Arial"/>
-                <a:ea typeface="Arial"/>
-                <a:cs typeface="Arial"/>
-                <a:sym typeface="Arial"/>
-              </a:rPr>
-              <a:t>.</a:t>
+              <a:t>For Scenario 1: Countdown Only.</a:t>
             </a:r>
           </a:p>
         </p:txBody>
@@ -19443,28 +19220,28 @@
                 <a:gridCol w="1301775">
                   <a:extLst>
                     <a:ext uri="{9D8B030D-6E8A-4147-A177-3AD203B41FA5}">
-                      <a16:colId xmlns:a16="http://schemas.microsoft.com/office/drawing/2014/main" xmlns="" val="20000"/>
+                      <a16:colId xmlns:a16="http://schemas.microsoft.com/office/drawing/2014/main" val="20000"/>
                     </a:ext>
                   </a:extLst>
                 </a:gridCol>
                 <a:gridCol w="868825">
                   <a:extLst>
                     <a:ext uri="{9D8B030D-6E8A-4147-A177-3AD203B41FA5}">
-                      <a16:colId xmlns:a16="http://schemas.microsoft.com/office/drawing/2014/main" xmlns="" val="20001"/>
+                      <a16:colId xmlns:a16="http://schemas.microsoft.com/office/drawing/2014/main" val="20001"/>
                     </a:ext>
                   </a:extLst>
                 </a:gridCol>
                 <a:gridCol w="878875">
                   <a:extLst>
                     <a:ext uri="{9D8B030D-6E8A-4147-A177-3AD203B41FA5}">
-                      <a16:colId xmlns:a16="http://schemas.microsoft.com/office/drawing/2014/main" xmlns="" val="20002"/>
+                      <a16:colId xmlns:a16="http://schemas.microsoft.com/office/drawing/2014/main" val="20002"/>
                     </a:ext>
                   </a:extLst>
                 </a:gridCol>
                 <a:gridCol w="1111025">
                   <a:extLst>
                     <a:ext uri="{9D8B030D-6E8A-4147-A177-3AD203B41FA5}">
-                      <a16:colId xmlns:a16="http://schemas.microsoft.com/office/drawing/2014/main" xmlns="" val="20003"/>
+                      <a16:colId xmlns:a16="http://schemas.microsoft.com/office/drawing/2014/main" val="20003"/>
                     </a:ext>
                   </a:extLst>
                 </a:gridCol>
@@ -19568,7 +19345,7 @@
                 </a:tc>
                 <a:extLst>
                   <a:ext uri="{0D108BD9-81ED-4DB2-BD59-A6C34878D82A}">
-                    <a16:rowId xmlns:a16="http://schemas.microsoft.com/office/drawing/2014/main" xmlns="" val="10000"/>
+                    <a16:rowId xmlns:a16="http://schemas.microsoft.com/office/drawing/2014/main" val="10000"/>
                   </a:ext>
                 </a:extLst>
               </a:tr>
@@ -19659,7 +19436,7 @@
                 </a:tc>
                 <a:extLst>
                   <a:ext uri="{0D108BD9-81ED-4DB2-BD59-A6C34878D82A}">
-                    <a16:rowId xmlns:a16="http://schemas.microsoft.com/office/drawing/2014/main" xmlns="" val="10001"/>
+                    <a16:rowId xmlns:a16="http://schemas.microsoft.com/office/drawing/2014/main" val="10001"/>
                   </a:ext>
                 </a:extLst>
               </a:tr>
@@ -19750,7 +19527,7 @@
                 </a:tc>
                 <a:extLst>
                   <a:ext uri="{0D108BD9-81ED-4DB2-BD59-A6C34878D82A}">
-                    <a16:rowId xmlns:a16="http://schemas.microsoft.com/office/drawing/2014/main" xmlns="" val="10002"/>
+                    <a16:rowId xmlns:a16="http://schemas.microsoft.com/office/drawing/2014/main" val="10002"/>
                   </a:ext>
                 </a:extLst>
               </a:tr>
@@ -19841,7 +19618,7 @@
                 </a:tc>
                 <a:extLst>
                   <a:ext uri="{0D108BD9-81ED-4DB2-BD59-A6C34878D82A}">
-                    <a16:rowId xmlns:a16="http://schemas.microsoft.com/office/drawing/2014/main" xmlns="" val="10003"/>
+                    <a16:rowId xmlns:a16="http://schemas.microsoft.com/office/drawing/2014/main" val="10003"/>
                   </a:ext>
                 </a:extLst>
               </a:tr>
@@ -19932,7 +19709,7 @@
                 </a:tc>
                 <a:extLst>
                   <a:ext uri="{0D108BD9-81ED-4DB2-BD59-A6C34878D82A}">
-                    <a16:rowId xmlns:a16="http://schemas.microsoft.com/office/drawing/2014/main" xmlns="" val="10004"/>
+                    <a16:rowId xmlns:a16="http://schemas.microsoft.com/office/drawing/2014/main" val="10004"/>
                   </a:ext>
                 </a:extLst>
               </a:tr>
@@ -20023,7 +19800,7 @@
                 </a:tc>
                 <a:extLst>
                   <a:ext uri="{0D108BD9-81ED-4DB2-BD59-A6C34878D82A}">
-                    <a16:rowId xmlns:a16="http://schemas.microsoft.com/office/drawing/2014/main" xmlns="" val="10005"/>
+                    <a16:rowId xmlns:a16="http://schemas.microsoft.com/office/drawing/2014/main" val="10005"/>
                   </a:ext>
                 </a:extLst>
               </a:tr>
@@ -20058,28 +19835,28 @@
                 <a:gridCol w="1301775">
                   <a:extLst>
                     <a:ext uri="{9D8B030D-6E8A-4147-A177-3AD203B41FA5}">
-                      <a16:colId xmlns:a16="http://schemas.microsoft.com/office/drawing/2014/main" xmlns="" val="20000"/>
+                      <a16:colId xmlns:a16="http://schemas.microsoft.com/office/drawing/2014/main" val="20000"/>
                     </a:ext>
                   </a:extLst>
                 </a:gridCol>
                 <a:gridCol w="868825">
                   <a:extLst>
                     <a:ext uri="{9D8B030D-6E8A-4147-A177-3AD203B41FA5}">
-                      <a16:colId xmlns:a16="http://schemas.microsoft.com/office/drawing/2014/main" xmlns="" val="20001"/>
+                      <a16:colId xmlns:a16="http://schemas.microsoft.com/office/drawing/2014/main" val="20001"/>
                     </a:ext>
                   </a:extLst>
                 </a:gridCol>
                 <a:gridCol w="878875">
                   <a:extLst>
                     <a:ext uri="{9D8B030D-6E8A-4147-A177-3AD203B41FA5}">
-                      <a16:colId xmlns:a16="http://schemas.microsoft.com/office/drawing/2014/main" xmlns="" val="20002"/>
+                      <a16:colId xmlns:a16="http://schemas.microsoft.com/office/drawing/2014/main" val="20002"/>
                     </a:ext>
                   </a:extLst>
                 </a:gridCol>
                 <a:gridCol w="1111025">
                   <a:extLst>
                     <a:ext uri="{9D8B030D-6E8A-4147-A177-3AD203B41FA5}">
-                      <a16:colId xmlns:a16="http://schemas.microsoft.com/office/drawing/2014/main" xmlns="" val="20003"/>
+                      <a16:colId xmlns:a16="http://schemas.microsoft.com/office/drawing/2014/main" val="20003"/>
                     </a:ext>
                   </a:extLst>
                 </a:gridCol>
@@ -20183,7 +19960,7 @@
                 </a:tc>
                 <a:extLst>
                   <a:ext uri="{0D108BD9-81ED-4DB2-BD59-A6C34878D82A}">
-                    <a16:rowId xmlns:a16="http://schemas.microsoft.com/office/drawing/2014/main" xmlns="" val="10000"/>
+                    <a16:rowId xmlns:a16="http://schemas.microsoft.com/office/drawing/2014/main" val="10000"/>
                   </a:ext>
                 </a:extLst>
               </a:tr>
@@ -20286,7 +20063,7 @@
                 </a:tc>
                 <a:extLst>
                   <a:ext uri="{0D108BD9-81ED-4DB2-BD59-A6C34878D82A}">
-                    <a16:rowId xmlns:a16="http://schemas.microsoft.com/office/drawing/2014/main" xmlns="" val="10001"/>
+                    <a16:rowId xmlns:a16="http://schemas.microsoft.com/office/drawing/2014/main" val="10001"/>
                   </a:ext>
                 </a:extLst>
               </a:tr>
@@ -20389,7 +20166,7 @@
                 </a:tc>
                 <a:extLst>
                   <a:ext uri="{0D108BD9-81ED-4DB2-BD59-A6C34878D82A}">
-                    <a16:rowId xmlns:a16="http://schemas.microsoft.com/office/drawing/2014/main" xmlns="" val="10002"/>
+                    <a16:rowId xmlns:a16="http://schemas.microsoft.com/office/drawing/2014/main" val="10002"/>
                   </a:ext>
                 </a:extLst>
               </a:tr>
@@ -20492,7 +20269,7 @@
                 </a:tc>
                 <a:extLst>
                   <a:ext uri="{0D108BD9-81ED-4DB2-BD59-A6C34878D82A}">
-                    <a16:rowId xmlns:a16="http://schemas.microsoft.com/office/drawing/2014/main" xmlns="" val="10003"/>
+                    <a16:rowId xmlns:a16="http://schemas.microsoft.com/office/drawing/2014/main" val="10003"/>
                   </a:ext>
                 </a:extLst>
               </a:tr>
@@ -20595,7 +20372,7 @@
                 </a:tc>
                 <a:extLst>
                   <a:ext uri="{0D108BD9-81ED-4DB2-BD59-A6C34878D82A}">
-                    <a16:rowId xmlns:a16="http://schemas.microsoft.com/office/drawing/2014/main" xmlns="" val="10004"/>
+                    <a16:rowId xmlns:a16="http://schemas.microsoft.com/office/drawing/2014/main" val="10004"/>
                   </a:ext>
                 </a:extLst>
               </a:tr>
@@ -20698,7 +20475,7 @@
                 </a:tc>
                 <a:extLst>
                   <a:ext uri="{0D108BD9-81ED-4DB2-BD59-A6C34878D82A}">
-                    <a16:rowId xmlns:a16="http://schemas.microsoft.com/office/drawing/2014/main" xmlns="" val="10005"/>
+                    <a16:rowId xmlns:a16="http://schemas.microsoft.com/office/drawing/2014/main" val="10005"/>
                   </a:ext>
                 </a:extLst>
               </a:tr>
@@ -20801,7 +20578,7 @@
                 </a:tc>
                 <a:extLst>
                   <a:ext uri="{0D108BD9-81ED-4DB2-BD59-A6C34878D82A}">
-                    <a16:rowId xmlns:a16="http://schemas.microsoft.com/office/drawing/2014/main" xmlns="" val="10006"/>
+                    <a16:rowId xmlns:a16="http://schemas.microsoft.com/office/drawing/2014/main" val="10006"/>
                   </a:ext>
                 </a:extLst>
               </a:tr>
@@ -20927,10 +20704,9 @@
               <a:buChar char="•"/>
             </a:pPr>
             <a:r>
-              <a:rPr lang="en-US" sz="1600" dirty="0" smtClean="0"/>
+              <a:rPr lang="en-US" sz="1600" dirty="0"/>
               <a:t>There were a total of 17 eye fixations for the 10 subjects.</a:t>
             </a:r>
-            <a:endParaRPr lang="en-US" sz="1600" dirty="0"/>
           </a:p>
         </p:txBody>
       </p:sp>
@@ -20939,13 +20715,6 @@
   <p:clrMapOvr>
     <a:masterClrMapping/>
   </p:clrMapOvr>
-  <p:timing>
-    <p:tnLst>
-      <p:par>
-        <p:cTn xmlns:p14="http://schemas.microsoft.com/office/powerpoint/2010/main" id="1" dur="indefinite" restart="never" nodeType="tmRoot"/>
-      </p:par>
-    </p:tnLst>
-  </p:timing>
 </p:sld>
 </file>
 
@@ -21213,13 +20982,6 @@
   <p:clrMapOvr>
     <a:masterClrMapping/>
   </p:clrMapOvr>
-  <p:timing>
-    <p:tnLst>
-      <p:par>
-        <p:cTn xmlns:p14="http://schemas.microsoft.com/office/powerpoint/2010/main" id="1" dur="indefinite" restart="never" nodeType="tmRoot"/>
-      </p:par>
-    </p:tnLst>
-  </p:timing>
 </p:sld>
 </file>
 
@@ -21382,31 +21144,7 @@
                 <a:cs typeface="Arial"/>
                 <a:sym typeface="Arial"/>
               </a:rPr>
-              <a:t>2- Analyze visual scanning behaviors when watching online </a:t>
-            </a:r>
-            <a:r>
-              <a:rPr lang="en-US" sz="2040" b="0" i="0" u="none" strike="noStrike" cap="none" dirty="0" smtClean="0">
-                <a:solidFill>
-                  <a:srgbClr val="000000"/>
-                </a:solidFill>
-                <a:latin typeface="Arial"/>
-                <a:ea typeface="Arial"/>
-                <a:cs typeface="Arial"/>
-                <a:sym typeface="Arial"/>
-              </a:rPr>
-              <a:t>	commercials</a:t>
-            </a:r>
-            <a:r>
-              <a:rPr lang="en-US" sz="2040" b="0" i="0" u="none" strike="noStrike" cap="none" dirty="0">
-                <a:solidFill>
-                  <a:srgbClr val="000000"/>
-                </a:solidFill>
-                <a:latin typeface="Arial"/>
-                <a:ea typeface="Arial"/>
-                <a:cs typeface="Arial"/>
-                <a:sym typeface="Arial"/>
-              </a:rPr>
-              <a:t>.</a:t>
+              <a:t>2- Analyze visual scanning behaviors when watching online 	commercials.</a:t>
             </a:r>
           </a:p>
           <a:p>
@@ -21437,79 +21175,7 @@
                 <a:cs typeface="Arial"/>
                 <a:sym typeface="Arial"/>
               </a:rPr>
-              <a:t>3- Determine if scanning behaviors </a:t>
-            </a:r>
-            <a:r>
-              <a:rPr lang="en-US" sz="2040" b="0" i="0" u="none" strike="noStrike" cap="none" dirty="0" smtClean="0">
-                <a:solidFill>
-                  <a:srgbClr val="000000"/>
-                </a:solidFill>
-                <a:latin typeface="Arial"/>
-                <a:ea typeface="Arial"/>
-                <a:cs typeface="Arial"/>
-                <a:sym typeface="Arial"/>
-              </a:rPr>
-              <a:t>can be </a:t>
-            </a:r>
-            <a:r>
-              <a:rPr lang="en-US" sz="2040" b="0" i="0" u="none" strike="noStrike" cap="none" dirty="0">
-                <a:solidFill>
-                  <a:srgbClr val="000000"/>
-                </a:solidFill>
-                <a:latin typeface="Arial"/>
-                <a:ea typeface="Arial"/>
-                <a:cs typeface="Arial"/>
-                <a:sym typeface="Arial"/>
-              </a:rPr>
-              <a:t>affected by human </a:t>
-            </a:r>
-            <a:r>
-              <a:rPr lang="en-US" sz="2040" b="0" i="0" u="none" strike="noStrike" cap="none" dirty="0" smtClean="0">
-                <a:solidFill>
-                  <a:srgbClr val="000000"/>
-                </a:solidFill>
-                <a:latin typeface="Arial"/>
-                <a:ea typeface="Arial"/>
-                <a:cs typeface="Arial"/>
-                <a:sym typeface="Arial"/>
-              </a:rPr>
-              <a:t>	experiences</a:t>
-            </a:r>
-            <a:r>
-              <a:rPr lang="en-US" sz="2040" b="0" i="0" u="none" strike="noStrike" cap="none" dirty="0">
-                <a:solidFill>
-                  <a:srgbClr val="000000"/>
-                </a:solidFill>
-                <a:latin typeface="Arial"/>
-                <a:ea typeface="Arial"/>
-                <a:cs typeface="Arial"/>
-                <a:sym typeface="Arial"/>
-              </a:rPr>
-              <a:t>, </a:t>
-            </a:r>
-            <a:r>
-              <a:rPr lang="en-US" sz="2040" b="0" i="0" u="none" strike="noStrike" cap="none" dirty="0" smtClean="0">
-                <a:solidFill>
-                  <a:srgbClr val="000000"/>
-                </a:solidFill>
-                <a:latin typeface="Arial"/>
-                <a:ea typeface="Arial"/>
-                <a:cs typeface="Arial"/>
-                <a:sym typeface="Arial"/>
-              </a:rPr>
-              <a:t>feelings</a:t>
-            </a:r>
-            <a:r>
-              <a:rPr lang="en-US" sz="2040" b="0" i="0" u="none" strike="noStrike" cap="none" dirty="0">
-                <a:solidFill>
-                  <a:srgbClr val="000000"/>
-                </a:solidFill>
-                <a:latin typeface="Arial"/>
-                <a:ea typeface="Arial"/>
-                <a:cs typeface="Arial"/>
-                <a:sym typeface="Arial"/>
-              </a:rPr>
-              <a:t>, and memory.</a:t>
+              <a:t>3- Determine if scanning behaviors can be affected by human 	experiences, feelings, and memory.</a:t>
             </a:r>
           </a:p>
           <a:p>
@@ -21641,13 +21307,6 @@
   <p:clrMapOvr>
     <a:masterClrMapping/>
   </p:clrMapOvr>
-  <p:timing>
-    <p:tnLst>
-      <p:par>
-        <p:cTn xmlns:p14="http://schemas.microsoft.com/office/powerpoint/2010/main" id="1" dur="indefinite" restart="never" nodeType="tmRoot"/>
-      </p:par>
-    </p:tnLst>
-  </p:timing>
 </p:sld>
 </file>
 
@@ -22119,13 +21778,6 @@
   <p:clrMapOvr>
     <a:masterClrMapping/>
   </p:clrMapOvr>
-  <p:timing>
-    <p:tnLst>
-      <p:par>
-        <p:cTn xmlns:p14="http://schemas.microsoft.com/office/powerpoint/2010/main" id="1" dur="indefinite" restart="never" nodeType="tmRoot"/>
-      </p:par>
-    </p:tnLst>
-  </p:timing>
 </p:sld>
 </file>
 
@@ -22568,13 +22220,6 @@
   <p:clrMapOvr>
     <a:masterClrMapping/>
   </p:clrMapOvr>
-  <p:timing>
-    <p:tnLst>
-      <p:par>
-        <p:cTn xmlns:p14="http://schemas.microsoft.com/office/powerpoint/2010/main" id="1" dur="indefinite" restart="never" nodeType="tmRoot"/>
-      </p:par>
-    </p:tnLst>
-  </p:timing>
 </p:sld>
 </file>
 
@@ -22796,21 +22441,21 @@
                 <a:gridCol w="1940850">
                   <a:extLst>
                     <a:ext uri="{9D8B030D-6E8A-4147-A177-3AD203B41FA5}">
-                      <a16:colId xmlns:a16="http://schemas.microsoft.com/office/drawing/2014/main" xmlns="" val="20000"/>
+                      <a16:colId xmlns:a16="http://schemas.microsoft.com/office/drawing/2014/main" val="20000"/>
                     </a:ext>
                   </a:extLst>
                 </a:gridCol>
                 <a:gridCol w="2494650">
                   <a:extLst>
                     <a:ext uri="{9D8B030D-6E8A-4147-A177-3AD203B41FA5}">
-                      <a16:colId xmlns:a16="http://schemas.microsoft.com/office/drawing/2014/main" xmlns="" val="20001"/>
+                      <a16:colId xmlns:a16="http://schemas.microsoft.com/office/drawing/2014/main" val="20001"/>
                     </a:ext>
                   </a:extLst>
                 </a:gridCol>
                 <a:gridCol w="2039250">
                   <a:extLst>
                     <a:ext uri="{9D8B030D-6E8A-4147-A177-3AD203B41FA5}">
-                      <a16:colId xmlns:a16="http://schemas.microsoft.com/office/drawing/2014/main" xmlns="" val="20002"/>
+                      <a16:colId xmlns:a16="http://schemas.microsoft.com/office/drawing/2014/main" val="20002"/>
                     </a:ext>
                   </a:extLst>
                 </a:gridCol>
@@ -22890,7 +22535,7 @@
                 </a:tc>
                 <a:extLst>
                   <a:ext uri="{0D108BD9-81ED-4DB2-BD59-A6C34878D82A}">
-                    <a16:rowId xmlns:a16="http://schemas.microsoft.com/office/drawing/2014/main" xmlns="" val="10000"/>
+                    <a16:rowId xmlns:a16="http://schemas.microsoft.com/office/drawing/2014/main" val="10000"/>
                   </a:ext>
                 </a:extLst>
               </a:tr>
@@ -22969,7 +22614,7 @@
                 </a:tc>
                 <a:extLst>
                   <a:ext uri="{0D108BD9-81ED-4DB2-BD59-A6C34878D82A}">
-                    <a16:rowId xmlns:a16="http://schemas.microsoft.com/office/drawing/2014/main" xmlns="" val="10001"/>
+                    <a16:rowId xmlns:a16="http://schemas.microsoft.com/office/drawing/2014/main" val="10001"/>
                   </a:ext>
                 </a:extLst>
               </a:tr>
@@ -23048,7 +22693,7 @@
                 </a:tc>
                 <a:extLst>
                   <a:ext uri="{0D108BD9-81ED-4DB2-BD59-A6C34878D82A}">
-                    <a16:rowId xmlns:a16="http://schemas.microsoft.com/office/drawing/2014/main" xmlns="" val="10002"/>
+                    <a16:rowId xmlns:a16="http://schemas.microsoft.com/office/drawing/2014/main" val="10002"/>
                   </a:ext>
                 </a:extLst>
               </a:tr>
@@ -23127,7 +22772,7 @@
                 </a:tc>
                 <a:extLst>
                   <a:ext uri="{0D108BD9-81ED-4DB2-BD59-A6C34878D82A}">
-                    <a16:rowId xmlns:a16="http://schemas.microsoft.com/office/drawing/2014/main" xmlns="" val="10003"/>
+                    <a16:rowId xmlns:a16="http://schemas.microsoft.com/office/drawing/2014/main" val="10003"/>
                   </a:ext>
                 </a:extLst>
               </a:tr>
@@ -23206,7 +22851,7 @@
                 </a:tc>
                 <a:extLst>
                   <a:ext uri="{0D108BD9-81ED-4DB2-BD59-A6C34878D82A}">
-                    <a16:rowId xmlns:a16="http://schemas.microsoft.com/office/drawing/2014/main" xmlns="" val="10004"/>
+                    <a16:rowId xmlns:a16="http://schemas.microsoft.com/office/drawing/2014/main" val="10004"/>
                   </a:ext>
                 </a:extLst>
               </a:tr>
@@ -23285,7 +22930,7 @@
                 </a:tc>
                 <a:extLst>
                   <a:ext uri="{0D108BD9-81ED-4DB2-BD59-A6C34878D82A}">
-                    <a16:rowId xmlns:a16="http://schemas.microsoft.com/office/drawing/2014/main" xmlns="" val="10005"/>
+                    <a16:rowId xmlns:a16="http://schemas.microsoft.com/office/drawing/2014/main" val="10005"/>
                   </a:ext>
                 </a:extLst>
               </a:tr>
@@ -23382,13 +23027,6 @@
   <p:clrMapOvr>
     <a:masterClrMapping/>
   </p:clrMapOvr>
-  <p:timing>
-    <p:tnLst>
-      <p:par>
-        <p:cTn xmlns:p14="http://schemas.microsoft.com/office/powerpoint/2010/main" id="1" dur="indefinite" restart="never" nodeType="tmRoot"/>
-      </p:par>
-    </p:tnLst>
-  </p:timing>
 </p:sld>
 </file>
 
@@ -23690,31 +23328,7 @@
                 <a:cs typeface="Arial"/>
                 <a:sym typeface="Arial"/>
               </a:rPr>
-              <a:t>A scan path for subject 3 (scenario 2</a:t>
-            </a:r>
-            <a:r>
-              <a:rPr lang="en-US" sz="1400" b="0" i="0" u="none" strike="noStrike" cap="none" dirty="0" smtClean="0">
-                <a:solidFill>
-                  <a:srgbClr val="000000"/>
-                </a:solidFill>
-                <a:latin typeface="Arial"/>
-                <a:ea typeface="Arial"/>
-                <a:cs typeface="Arial"/>
-                <a:sym typeface="Arial"/>
-              </a:rPr>
-              <a:t>: with </a:t>
-            </a:r>
-            <a:r>
-              <a:rPr lang="en-US" sz="1400" b="0" i="0" u="none" strike="noStrike" cap="none" dirty="0">
-                <a:solidFill>
-                  <a:srgbClr val="000000"/>
-                </a:solidFill>
-                <a:latin typeface="Arial"/>
-                <a:ea typeface="Arial"/>
-                <a:cs typeface="Arial"/>
-                <a:sym typeface="Arial"/>
-              </a:rPr>
-              <a:t>skip and countdown)</a:t>
+              <a:t>A scan path for subject 3 (scenario 2: with skip and countdown)</a:t>
             </a:r>
           </a:p>
         </p:txBody>
@@ -23850,7 +23464,7 @@
           <a:lstStyle/>
           <a:p>
             <a:r>
-              <a:rPr lang="en-US" sz="3200" dirty="0" smtClean="0">
+              <a:rPr lang="en-US" sz="3200" dirty="0">
                 <a:solidFill>
                   <a:srgbClr val="800000"/>
                 </a:solidFill>
@@ -23918,10 +23532,9 @@
               <a:buChar char="•"/>
             </a:pPr>
             <a:r>
-              <a:rPr lang="en-US" sz="2000" dirty="0" smtClean="0"/>
+              <a:rPr lang="en-US" sz="2000" dirty="0"/>
               <a:t>Abstract</a:t>
             </a:r>
-            <a:endParaRPr lang="en-US" sz="2000" dirty="0"/>
           </a:p>
           <a:p>
             <a:pPr marL="285750" indent="-285750">
@@ -23932,7 +23545,7 @@
               <a:buChar char="•"/>
             </a:pPr>
             <a:r>
-              <a:rPr lang="en-US" sz="2000" dirty="0" smtClean="0"/>
+              <a:rPr lang="en-US" sz="2000" dirty="0"/>
               <a:t>Introduction</a:t>
             </a:r>
           </a:p>
@@ -23945,52 +23558,9 @@
               <a:buChar char="•"/>
             </a:pPr>
             <a:r>
-              <a:rPr lang="en-US" sz="2000" dirty="0" smtClean="0"/>
+              <a:rPr lang="en-US" sz="2000" dirty="0"/>
               <a:t>Literature review</a:t>
             </a:r>
-            <a:endParaRPr lang="en-US" sz="2000" dirty="0"/>
-          </a:p>
-          <a:p>
-            <a:pPr marL="285750" indent="-285750">
-              <a:lnSpc>
-                <a:spcPct val="130000"/>
-              </a:lnSpc>
-              <a:buFont typeface="Arial"/>
-              <a:buChar char="•"/>
-            </a:pPr>
-            <a:r>
-              <a:rPr lang="en-US" sz="2000" dirty="0" smtClean="0"/>
-              <a:t>Methods</a:t>
-            </a:r>
-            <a:endParaRPr lang="en-US" sz="2000" dirty="0"/>
-          </a:p>
-          <a:p>
-            <a:pPr marL="285750" indent="-285750">
-              <a:lnSpc>
-                <a:spcPct val="130000"/>
-              </a:lnSpc>
-              <a:buFont typeface="Arial"/>
-              <a:buChar char="•"/>
-            </a:pPr>
-            <a:r>
-              <a:rPr lang="en-US" sz="2000" dirty="0" smtClean="0"/>
-              <a:t>Results</a:t>
-            </a:r>
-            <a:endParaRPr lang="en-US" sz="2000" dirty="0"/>
-          </a:p>
-          <a:p>
-            <a:pPr marL="285750" indent="-285750">
-              <a:lnSpc>
-                <a:spcPct val="130000"/>
-              </a:lnSpc>
-              <a:buFont typeface="Arial"/>
-              <a:buChar char="•"/>
-            </a:pPr>
-            <a:r>
-              <a:rPr lang="en-US" sz="2000" dirty="0" smtClean="0"/>
-              <a:t>Discussion</a:t>
-            </a:r>
-            <a:endParaRPr lang="en-US" sz="2000" dirty="0"/>
           </a:p>
           <a:p>
             <a:pPr marL="285750" indent="-285750">
@@ -24002,13 +23572,8 @@
             </a:pPr>
             <a:r>
               <a:rPr lang="en-US" sz="2000" dirty="0"/>
-              <a:t>Limitations and future </a:t>
+              <a:t>Methods</a:t>
             </a:r>
-            <a:r>
-              <a:rPr lang="en-US" sz="2000" dirty="0" smtClean="0"/>
-              <a:t>research</a:t>
-            </a:r>
-            <a:endParaRPr lang="en-US" sz="2000" dirty="0"/>
           </a:p>
           <a:p>
             <a:pPr marL="285750" indent="-285750">
@@ -24020,13 +23585,47 @@
             </a:pPr>
             <a:r>
               <a:rPr lang="en-US" sz="2000" dirty="0"/>
-              <a:t>Reference </a:t>
+              <a:t>Results</a:t>
             </a:r>
+          </a:p>
+          <a:p>
+            <a:pPr marL="285750" indent="-285750">
+              <a:lnSpc>
+                <a:spcPct val="130000"/>
+              </a:lnSpc>
+              <a:buFont typeface="Arial"/>
+              <a:buChar char="•"/>
+            </a:pPr>
             <a:r>
-              <a:rPr lang="en-US" sz="2000" dirty="0" smtClean="0"/>
-              <a:t>list</a:t>
+              <a:rPr lang="en-US" sz="2000" dirty="0"/>
+              <a:t>Discussion</a:t>
             </a:r>
-            <a:endParaRPr lang="en-US" sz="2000" dirty="0"/>
+          </a:p>
+          <a:p>
+            <a:pPr marL="285750" indent="-285750">
+              <a:lnSpc>
+                <a:spcPct val="130000"/>
+              </a:lnSpc>
+              <a:buFont typeface="Arial"/>
+              <a:buChar char="•"/>
+            </a:pPr>
+            <a:r>
+              <a:rPr lang="en-US" sz="2000" dirty="0"/>
+              <a:t>Limitations and future research</a:t>
+            </a:r>
+          </a:p>
+          <a:p>
+            <a:pPr marL="285750" indent="-285750">
+              <a:lnSpc>
+                <a:spcPct val="130000"/>
+              </a:lnSpc>
+              <a:buFont typeface="Arial"/>
+              <a:buChar char="•"/>
+            </a:pPr>
+            <a:r>
+              <a:rPr lang="en-US" sz="2000" dirty="0"/>
+              <a:t>Reference list</a:t>
+            </a:r>
           </a:p>
         </p:txBody>
       </p:sp>
@@ -24819,13 +24418,6 @@
   <p:clrMapOvr>
     <a:masterClrMapping/>
   </p:clrMapOvr>
-  <p:timing>
-    <p:tnLst>
-      <p:par>
-        <p:cTn xmlns:p14="http://schemas.microsoft.com/office/powerpoint/2010/main" id="1" dur="indefinite" restart="never" nodeType="tmRoot"/>
-      </p:par>
-    </p:tnLst>
-  </p:timing>
 </p:sld>
 </file>
 
@@ -25134,13 +24726,6 @@
   <p:clrMapOvr>
     <a:masterClrMapping/>
   </p:clrMapOvr>
-  <p:timing>
-    <p:tnLst>
-      <p:par>
-        <p:cTn xmlns:p14="http://schemas.microsoft.com/office/powerpoint/2010/main" id="1" dur="indefinite" restart="never" nodeType="tmRoot"/>
-      </p:par>
-    </p:tnLst>
-  </p:timing>
 </p:sld>
 </file>
 
@@ -25338,31 +24923,7 @@
                 <a:cs typeface="Arial"/>
                 <a:sym typeface="Arial"/>
               </a:rPr>
-              <a:t>By performing qualitative analysis, we were able to consider individuals’ </a:t>
-            </a:r>
-            <a:r>
-              <a:rPr lang="en-US" sz="2400" b="0" i="0" u="none" strike="noStrike" cap="none" dirty="0" smtClean="0">
-                <a:solidFill>
-                  <a:srgbClr val="0F143D"/>
-                </a:solidFill>
-                <a:latin typeface="Arial"/>
-                <a:ea typeface="Arial"/>
-                <a:cs typeface="Arial"/>
-                <a:sym typeface="Arial"/>
-              </a:rPr>
-              <a:t>behaviors </a:t>
-            </a:r>
-            <a:r>
-              <a:rPr lang="en-US" sz="2400" b="0" i="0" u="none" strike="noStrike" cap="none" dirty="0">
-                <a:solidFill>
-                  <a:srgbClr val="0F143D"/>
-                </a:solidFill>
-                <a:latin typeface="Arial"/>
-                <a:ea typeface="Arial"/>
-                <a:cs typeface="Arial"/>
-                <a:sym typeface="Arial"/>
-              </a:rPr>
-              <a:t>in order to draw a better conclusion.</a:t>
+              <a:t>By performing qualitative analysis, we were able to consider individuals’ behaviors in order to draw a better conclusion.</a:t>
             </a:r>
           </a:p>
           <a:p>
@@ -25405,31 +24966,7 @@
                 <a:cs typeface="Arial"/>
                 <a:sym typeface="Arial"/>
               </a:rPr>
-              <a:t>- Some subjects were given wrong instructions to answer the </a:t>
-            </a:r>
-            <a:r>
-              <a:rPr lang="en-US" sz="1800" b="0" i="0" u="none" strike="noStrike" cap="none" dirty="0" smtClean="0">
-                <a:solidFill>
-                  <a:srgbClr val="0F143D"/>
-                </a:solidFill>
-                <a:latin typeface="Arial"/>
-                <a:ea typeface="Arial"/>
-                <a:cs typeface="Arial"/>
-                <a:sym typeface="Arial"/>
-              </a:rPr>
-              <a:t>questionnaire</a:t>
-            </a:r>
-            <a:r>
-              <a:rPr lang="en-US" sz="1800" b="0" i="0" u="none" strike="noStrike" cap="none" dirty="0">
-                <a:solidFill>
-                  <a:srgbClr val="0F143D"/>
-                </a:solidFill>
-                <a:latin typeface="Arial"/>
-                <a:ea typeface="Arial"/>
-                <a:cs typeface="Arial"/>
-                <a:sym typeface="Arial"/>
-              </a:rPr>
-              <a:t>.</a:t>
+              <a:t>- Some subjects were given wrong instructions to answer the questionnaire.</a:t>
             </a:r>
           </a:p>
           <a:p>
@@ -25548,13 +25085,6 @@
   <p:clrMapOvr>
     <a:masterClrMapping/>
   </p:clrMapOvr>
-  <p:timing>
-    <p:tnLst>
-      <p:par>
-        <p:cTn xmlns:p14="http://schemas.microsoft.com/office/powerpoint/2010/main" id="1" dur="indefinite" restart="never" nodeType="tmRoot"/>
-      </p:par>
-    </p:tnLst>
-  </p:timing>
 </p:sld>
 </file>
 
@@ -25640,17 +25170,7 @@
                   </a:schemeClr>
                 </a:solidFill>
               </a:rPr>
-              <a:t> effect which prevented the subjects from remembering the brand name</a:t>
-            </a:r>
-            <a:r>
-              <a:rPr lang="en-US" dirty="0" smtClean="0">
-                <a:solidFill>
-                  <a:schemeClr val="tx2">
-                    <a:lumMod val="10000"/>
-                  </a:schemeClr>
-                </a:solidFill>
-              </a:rPr>
-              <a:t>.</a:t>
+              <a:t> effect which prevented the subjects from remembering the brand name.</a:t>
             </a:r>
           </a:p>
           <a:p>
@@ -25682,45 +25202,8 @@
                   </a:schemeClr>
                 </a:solidFill>
               </a:rPr>
-              <a:t>The content of the advertisement was not presented effectively which </a:t>
+              <a:t>The content of the advertisement was not presented effectively which makes it seem irrelevant and hard to associate with brand name.</a:t>
             </a:r>
-            <a:r>
-              <a:rPr lang="en-US" dirty="0" smtClean="0">
-                <a:solidFill>
-                  <a:schemeClr val="tx2">
-                    <a:lumMod val="10000"/>
-                  </a:schemeClr>
-                </a:solidFill>
-              </a:rPr>
-              <a:t>makes </a:t>
-            </a:r>
-            <a:r>
-              <a:rPr lang="en-US" dirty="0">
-                <a:solidFill>
-                  <a:schemeClr val="tx2">
-                    <a:lumMod val="10000"/>
-                  </a:schemeClr>
-                </a:solidFill>
-              </a:rPr>
-              <a:t>it seem irrelevant and hard to associate with brand name</a:t>
-            </a:r>
-            <a:r>
-              <a:rPr lang="en-US" dirty="0" smtClean="0">
-                <a:solidFill>
-                  <a:schemeClr val="tx2">
-                    <a:lumMod val="10000"/>
-                  </a:schemeClr>
-                </a:solidFill>
-              </a:rPr>
-              <a:t>.</a:t>
-            </a:r>
-            <a:endParaRPr lang="en-US" dirty="0">
-              <a:solidFill>
-                <a:schemeClr val="tx2">
-                  <a:lumMod val="10000"/>
-                </a:schemeClr>
-              </a:solidFill>
-            </a:endParaRPr>
           </a:p>
           <a:p>
             <a:pPr lvl="0">
@@ -25864,13 +25347,6 @@
   <p:clrMapOvr>
     <a:masterClrMapping/>
   </p:clrMapOvr>
-  <p:timing>
-    <p:tnLst>
-      <p:par>
-        <p:cTn xmlns:p14="http://schemas.microsoft.com/office/powerpoint/2010/main" id="1" dur="indefinite" restart="never" nodeType="tmRoot"/>
-      </p:par>
-    </p:tnLst>
-  </p:timing>
 </p:sld>
 </file>
 
@@ -26206,13 +25682,6 @@
   <p:clrMapOvr>
     <a:masterClrMapping/>
   </p:clrMapOvr>
-  <p:timing>
-    <p:tnLst>
-      <p:par>
-        <p:cTn xmlns:p14="http://schemas.microsoft.com/office/powerpoint/2010/main" id="1" dur="indefinite" restart="never" nodeType="tmRoot"/>
-      </p:par>
-    </p:tnLst>
-  </p:timing>
 </p:sld>
 </file>
 
@@ -26345,23 +25814,8 @@
                 </a:solidFill>
                 <a:sym typeface="Arial"/>
               </a:rPr>
-              <a:t>Use different kinds of commercials to further analyze if the content of commercials has an impact on the cognitive </a:t>
+              <a:t>Use different kinds of commercials to further analyze if the content of commercials has an impact on the cognitive behavior.</a:t>
             </a:r>
-            <a:r>
-              <a:rPr lang="en-US" sz="2200" b="0" i="0" u="none" strike="noStrike" cap="none" dirty="0" smtClean="0">
-                <a:solidFill>
-                  <a:srgbClr val="000000"/>
-                </a:solidFill>
-                <a:sym typeface="Arial"/>
-              </a:rPr>
-              <a:t>behavior.</a:t>
-            </a:r>
-            <a:endParaRPr lang="en-US" sz="2200" b="0" i="0" u="none" strike="noStrike" cap="none" dirty="0">
-              <a:solidFill>
-                <a:srgbClr val="000000"/>
-              </a:solidFill>
-              <a:sym typeface="Arial"/>
-            </a:endParaRPr>
           </a:p>
           <a:p>
             <a:pPr marL="285750" marR="0" lvl="0" indent="-285750" algn="l" rtl="0">
@@ -26387,39 +25841,7 @@
                   <a:srgbClr val="000000"/>
                 </a:solidFill>
               </a:rPr>
-              <a:t>Evaluate individual subject </a:t>
-            </a:r>
-            <a:r>
-              <a:rPr lang="en-US" sz="2200" dirty="0" smtClean="0">
-                <a:solidFill>
-                  <a:srgbClr val="000000"/>
-                </a:solidFill>
-              </a:rPr>
-              <a:t>behavior </a:t>
-            </a:r>
-            <a:r>
-              <a:rPr lang="en-US" sz="2200" dirty="0">
-                <a:solidFill>
-                  <a:srgbClr val="000000"/>
-                </a:solidFill>
-              </a:rPr>
-              <a:t>and take these results into consideration while </a:t>
-            </a:r>
-            <a:r>
-              <a:rPr lang="en-US" sz="2200" dirty="0" smtClean="0">
-                <a:solidFill>
-                  <a:srgbClr val="000000"/>
-                </a:solidFill>
-              </a:rPr>
-              <a:t>analyzing </a:t>
-            </a:r>
-            <a:r>
-              <a:rPr lang="en-US" sz="2200" dirty="0">
-                <a:solidFill>
-                  <a:srgbClr val="000000"/>
-                </a:solidFill>
-              </a:rPr>
-              <a:t>their data.</a:t>
+              <a:t>Evaluate individual subject behavior and take these results into consideration while analyzing their data.</a:t>
             </a:r>
           </a:p>
           <a:p>
@@ -26632,13 +26054,6 @@
   <p:clrMapOvr>
     <a:masterClrMapping/>
   </p:clrMapOvr>
-  <p:timing>
-    <p:tnLst>
-      <p:par>
-        <p:cTn xmlns:p14="http://schemas.microsoft.com/office/powerpoint/2010/main" id="1" dur="indefinite" restart="never" nodeType="tmRoot"/>
-      </p:par>
-    </p:tnLst>
-  </p:timing>
 </p:sld>
 </file>
 
@@ -27094,187 +26509,6 @@
   <p:clrMapOvr>
     <a:masterClrMapping/>
   </p:clrMapOvr>
-  <p:timing>
-    <p:tnLst>
-      <p:par>
-        <p:cTn xmlns:p14="http://schemas.microsoft.com/office/powerpoint/2010/main" id="1" dur="indefinite" restart="never" nodeType="tmRoot"/>
-      </p:par>
-    </p:tnLst>
-  </p:timing>
-</p:sld>
-</file>
-
-<file path=ppt/slides/slide28.xml><?xml version="1.0" encoding="utf-8"?>
-<p:sld xmlns:a="http://schemas.openxmlformats.org/drawingml/2006/main" xmlns:r="http://schemas.openxmlformats.org/officeDocument/2006/relationships" xmlns:p="http://schemas.openxmlformats.org/presentationml/2006/main">
-  <p:cSld>
-    <p:spTree>
-      <p:nvGrpSpPr>
-        <p:cNvPr id="1" name="Shape 304"/>
-        <p:cNvGrpSpPr/>
-        <p:nvPr/>
-      </p:nvGrpSpPr>
-      <p:grpSpPr>
-        <a:xfrm>
-          <a:off x="0" y="0"/>
-          <a:ext cx="0" cy="0"/>
-          <a:chOff x="0" y="0"/>
-          <a:chExt cx="0" cy="0"/>
-        </a:xfrm>
-      </p:grpSpPr>
-      <p:sp>
-        <p:nvSpPr>
-          <p:cNvPr id="306" name="Shape 306"/>
-          <p:cNvSpPr txBox="1">
-            <a:spLocks noGrp="1"/>
-          </p:cNvSpPr>
-          <p:nvPr>
-            <p:ph type="body" idx="1"/>
-          </p:nvPr>
-        </p:nvSpPr>
-        <p:spPr>
-          <a:xfrm>
-            <a:off x="2216766" y="1487032"/>
-            <a:ext cx="5029952" cy="1824728"/>
-          </a:xfrm>
-          <a:prstGeom prst="rect">
-            <a:avLst/>
-          </a:prstGeom>
-          <a:noFill/>
-          <a:ln>
-            <a:noFill/>
-          </a:ln>
-        </p:spPr>
-        <p:txBody>
-          <a:bodyPr lIns="91425" tIns="91425" rIns="91425" bIns="91425" anchor="t" anchorCtr="0">
-            <a:noAutofit/>
-          </a:bodyPr>
-          <a:lstStyle/>
-          <a:p>
-            <a:pPr marL="0" marR="0" lvl="0" indent="0" algn="l" rtl="0">
-              <a:spcBef>
-                <a:spcPts val="0"/>
-              </a:spcBef>
-              <a:spcAft>
-                <a:spcPts val="0"/>
-              </a:spcAft>
-              <a:buClr>
-                <a:schemeClr val="accent1"/>
-              </a:buClr>
-              <a:buSzPct val="25000"/>
-              <a:buFont typeface="Arial"/>
-              <a:buNone/>
-            </a:pPr>
-            <a:r>
-              <a:rPr lang="en-US" sz="6000" b="0" i="0" u="none" strike="noStrike" cap="none" dirty="0" smtClean="0">
-                <a:solidFill>
-                  <a:srgbClr val="800000"/>
-                </a:solidFill>
-                <a:latin typeface="Arial"/>
-                <a:ea typeface="Arial"/>
-                <a:cs typeface="Arial"/>
-                <a:sym typeface="Arial"/>
-              </a:rPr>
-              <a:t>Questions?</a:t>
-            </a:r>
-            <a:endParaRPr lang="en-US" sz="6000" b="0" i="0" u="none" strike="noStrike" cap="none" dirty="0">
-              <a:solidFill>
-                <a:srgbClr val="800000"/>
-              </a:solidFill>
-              <a:latin typeface="Arial"/>
-              <a:ea typeface="Arial"/>
-              <a:cs typeface="Arial"/>
-              <a:sym typeface="Arial"/>
-            </a:endParaRPr>
-          </a:p>
-        </p:txBody>
-      </p:sp>
-      <p:sp>
-        <p:nvSpPr>
-          <p:cNvPr id="307" name="Shape 307"/>
-          <p:cNvSpPr txBox="1">
-            <a:spLocks noGrp="1"/>
-          </p:cNvSpPr>
-          <p:nvPr>
-            <p:ph type="sldNum" idx="12"/>
-          </p:nvPr>
-        </p:nvSpPr>
-        <p:spPr>
-          <a:xfrm>
-            <a:off x="8472457" y="4749900"/>
-            <a:ext cx="548699" cy="393600"/>
-          </a:xfrm>
-          <a:prstGeom prst="rect">
-            <a:avLst/>
-          </a:prstGeom>
-          <a:noFill/>
-          <a:ln>
-            <a:noFill/>
-          </a:ln>
-        </p:spPr>
-        <p:txBody>
-          <a:bodyPr lIns="91425" tIns="45700" rIns="91425" bIns="45700" anchor="ctr" anchorCtr="0">
-            <a:noAutofit/>
-          </a:bodyPr>
-          <a:lstStyle/>
-          <a:p>
-            <a:pPr marL="0" marR="0" lvl="0" indent="0" algn="l" rtl="0">
-              <a:lnSpc>
-                <a:spcPct val="100000"/>
-              </a:lnSpc>
-              <a:spcBef>
-                <a:spcPts val="0"/>
-              </a:spcBef>
-              <a:spcAft>
-                <a:spcPts val="0"/>
-              </a:spcAft>
-              <a:buClr>
-                <a:srgbClr val="FFFFFF"/>
-              </a:buClr>
-              <a:buSzPct val="25000"/>
-              <a:buFont typeface="Arial"/>
-              <a:buNone/>
-            </a:pPr>
-            <a:fld id="{00000000-1234-1234-1234-123412341234}" type="slidenum">
-              <a:rPr lang="en-US" sz="1400" b="1" i="0" u="none" strike="noStrike" cap="none">
-                <a:solidFill>
-                  <a:srgbClr val="FFFFFF"/>
-                </a:solidFill>
-                <a:latin typeface="Arial"/>
-                <a:ea typeface="Arial"/>
-                <a:cs typeface="Arial"/>
-                <a:sym typeface="Arial"/>
-              </a:rPr>
-              <a:t>28</a:t>
-            </a:fld>
-            <a:endParaRPr lang="en-US" sz="1400" b="1" i="0" u="none" strike="noStrike" cap="none">
-              <a:solidFill>
-                <a:srgbClr val="FFFFFF"/>
-              </a:solidFill>
-              <a:latin typeface="Arial"/>
-              <a:ea typeface="Arial"/>
-              <a:cs typeface="Arial"/>
-              <a:sym typeface="Arial"/>
-            </a:endParaRPr>
-          </a:p>
-        </p:txBody>
-      </p:sp>
-    </p:spTree>
-    <p:extLst>
-      <p:ext uri="{BB962C8B-B14F-4D97-AF65-F5344CB8AC3E}">
-        <p14:creationId xmlns:p14="http://schemas.microsoft.com/office/powerpoint/2010/main" val="3370144244"/>
-      </p:ext>
-    </p:extLst>
-  </p:cSld>
-  <p:clrMapOvr>
-    <a:masterClrMapping/>
-  </p:clrMapOvr>
-  <p:timing>
-    <p:tnLst>
-      <p:par>
-        <p:cTn xmlns:p14="http://schemas.microsoft.com/office/powerpoint/2010/main" id="1" dur="indefinite" restart="never" nodeType="tmRoot"/>
-      </p:par>
-    </p:tnLst>
-  </p:timing>
 </p:sld>
 </file>
 
@@ -27873,29 +27107,8 @@
                 <a:cs typeface="Arial"/>
                 <a:sym typeface="Arial"/>
               </a:rPr>
-              <a:t>Companies are using online commercials to reach more customers</a:t>
+              <a:t>Companies are using online commercials to reach more customers.</a:t>
             </a:r>
-            <a:r>
-              <a:rPr lang="en-US" sz="1800" b="0" i="0" u="none" strike="noStrike" cap="none" dirty="0" smtClean="0">
-                <a:solidFill>
-                  <a:srgbClr val="0F143D"/>
-                </a:solidFill>
-                <a:latin typeface="Arial"/>
-                <a:ea typeface="Arial"/>
-                <a:cs typeface="Arial"/>
-                <a:sym typeface="Arial"/>
-              </a:rPr>
-              <a:t>.</a:t>
-            </a:r>
-            <a:endParaRPr lang="en-US" sz="1800" b="0" i="0" u="none" strike="noStrike" cap="none" dirty="0">
-              <a:solidFill>
-                <a:srgbClr val="0F143D"/>
-              </a:solidFill>
-              <a:latin typeface="Arial"/>
-              <a:ea typeface="Arial"/>
-              <a:cs typeface="Arial"/>
-              <a:sym typeface="Arial"/>
-            </a:endParaRPr>
           </a:p>
         </p:txBody>
       </p:sp>
@@ -28134,53 +27347,8 @@
                 <a:cs typeface="Arial"/>
                 <a:sym typeface="Arial"/>
               </a:rPr>
-              <a:t>Most users visit and have active accounts on Facebook, Twitter, and </a:t>
+              <a:t>Most users visit and have active accounts on Facebook, Twitter, and YouTube, the three most popular social networking sites of today.</a:t>
             </a:r>
-            <a:r>
-              <a:rPr lang="en-US" sz="1600" b="0" i="0" u="none" strike="noStrike" cap="none" dirty="0" smtClean="0">
-                <a:solidFill>
-                  <a:srgbClr val="1F1D24"/>
-                </a:solidFill>
-                <a:latin typeface="Arial"/>
-                <a:ea typeface="Arial"/>
-                <a:cs typeface="Arial"/>
-                <a:sym typeface="Arial"/>
-              </a:rPr>
-              <a:t>YouTube, the </a:t>
-            </a:r>
-            <a:r>
-              <a:rPr lang="en-US" sz="1600" b="0" i="0" u="none" strike="noStrike" cap="none" dirty="0">
-                <a:solidFill>
-                  <a:srgbClr val="1F1D24"/>
-                </a:solidFill>
-                <a:latin typeface="Arial"/>
-                <a:ea typeface="Arial"/>
-                <a:cs typeface="Arial"/>
-                <a:sym typeface="Arial"/>
-              </a:rPr>
-              <a:t>three most popular social networking sites of </a:t>
-            </a:r>
-            <a:r>
-              <a:rPr lang="en-US" sz="1600" b="0" i="0" u="none" strike="noStrike" cap="none" dirty="0" smtClean="0">
-                <a:solidFill>
-                  <a:srgbClr val="1F1D24"/>
-                </a:solidFill>
-                <a:latin typeface="Arial"/>
-                <a:ea typeface="Arial"/>
-                <a:cs typeface="Arial"/>
-                <a:sym typeface="Arial"/>
-              </a:rPr>
-              <a:t>today.</a:t>
-            </a:r>
-            <a:endParaRPr lang="en-US" sz="1600" b="0" i="0" u="none" strike="noStrike" cap="none" dirty="0">
-              <a:solidFill>
-                <a:srgbClr val="1F1D24"/>
-              </a:solidFill>
-              <a:latin typeface="Arial"/>
-              <a:ea typeface="Arial"/>
-              <a:cs typeface="Arial"/>
-              <a:sym typeface="Arial"/>
-            </a:endParaRPr>
           </a:p>
           <a:p>
             <a:pPr marL="182880" marR="0" lvl="0" indent="-182880" algn="l" rtl="0">
@@ -28244,16 +27412,7 @@
                 </a:solidFill>
                 <a:sym typeface="Arial"/>
               </a:rPr>
-              <a:t>Online ads increased YouTube’s </a:t>
-            </a:r>
-            <a:r>
-              <a:rPr lang="en-US" sz="1600" b="0" i="0" u="none" strike="noStrike" cap="none" dirty="0" smtClean="0">
-                <a:solidFill>
-                  <a:srgbClr val="1F1D24"/>
-                </a:solidFill>
-                <a:sym typeface="Arial"/>
-              </a:rPr>
-              <a:t>revenues</a:t>
+              <a:t>Online ads increased YouTube’s revenues</a:t>
             </a:r>
             <a:r>
               <a:rPr lang="en-US" sz="1600" dirty="0">
@@ -28357,16 +27516,15 @@
                 </a:solidFill>
                 <a:sym typeface="Arial"/>
               </a:rPr>
-              <a:t>1) </a:t>
+              <a:t>1) The length of the commercial</a:t>
             </a:r>
             <a:r>
-              <a:rPr lang="en-US" sz="1600" b="0" i="0" u="none" strike="noStrike" cap="none" dirty="0" smtClean="0">
+              <a:rPr lang="en-US" sz="1600" dirty="0">
                 <a:solidFill>
                   <a:srgbClr val="1F1D24"/>
                 </a:solidFill>
-                <a:sym typeface="Arial"/>
               </a:rPr>
-              <a:t>The </a:t>
+              <a:t>  </a:t>
             </a:r>
             <a:r>
               <a:rPr lang="en-US" sz="1600" b="0" i="0" u="none" strike="noStrike" cap="none" dirty="0">
@@ -28375,104 +27533,7 @@
                 </a:solidFill>
                 <a:sym typeface="Arial"/>
               </a:rPr>
-              <a:t>length of the </a:t>
-            </a:r>
-            <a:r>
-              <a:rPr lang="en-US" sz="1600" b="0" i="0" u="none" strike="noStrike" cap="none" dirty="0" smtClean="0">
-                <a:solidFill>
-                  <a:srgbClr val="1F1D24"/>
-                </a:solidFill>
-                <a:sym typeface="Arial"/>
-              </a:rPr>
-              <a:t>commercial</a:t>
-            </a:r>
-            <a:r>
-              <a:rPr lang="en-US" sz="1600" dirty="0">
-                <a:solidFill>
-                  <a:srgbClr val="1F1D24"/>
-                </a:solidFill>
-              </a:rPr>
-              <a:t> </a:t>
-            </a:r>
-            <a:r>
-              <a:rPr lang="en-US" sz="1600" dirty="0" smtClean="0">
-                <a:solidFill>
-                  <a:srgbClr val="1F1D24"/>
-                </a:solidFill>
-              </a:rPr>
-              <a:t> </a:t>
-            </a:r>
-            <a:r>
-              <a:rPr lang="en-US" sz="1600" b="0" i="0" u="none" strike="noStrike" cap="none" dirty="0" smtClean="0">
-                <a:solidFill>
-                  <a:srgbClr val="1F1D24"/>
-                </a:solidFill>
-                <a:sym typeface="Arial"/>
-              </a:rPr>
-              <a:t>2</a:t>
-            </a:r>
-            <a:r>
-              <a:rPr lang="en-US" sz="1600" b="0" i="0" u="none" strike="noStrike" cap="none" dirty="0">
-                <a:solidFill>
-                  <a:srgbClr val="1F1D24"/>
-                </a:solidFill>
-                <a:sym typeface="Arial"/>
-              </a:rPr>
-              <a:t>) </a:t>
-            </a:r>
-            <a:r>
-              <a:rPr lang="en-US" sz="1600" b="0" i="0" u="none" strike="noStrike" cap="none" dirty="0" smtClean="0">
-                <a:solidFill>
-                  <a:srgbClr val="1F1D24"/>
-                </a:solidFill>
-                <a:sym typeface="Arial"/>
-              </a:rPr>
-              <a:t>The </a:t>
-            </a:r>
-            <a:r>
-              <a:rPr lang="en-US" sz="1600" b="0" i="0" u="none" strike="noStrike" cap="none" dirty="0">
-                <a:solidFill>
-                  <a:srgbClr val="1F1D24"/>
-                </a:solidFill>
-                <a:sym typeface="Arial"/>
-              </a:rPr>
-              <a:t>content of the </a:t>
-            </a:r>
-            <a:r>
-              <a:rPr lang="en-US" sz="1600" b="0" i="0" u="none" strike="noStrike" cap="none" dirty="0" smtClean="0">
-                <a:solidFill>
-                  <a:srgbClr val="1F1D24"/>
-                </a:solidFill>
-                <a:sym typeface="Arial"/>
-              </a:rPr>
-              <a:t>ad </a:t>
-            </a:r>
-            <a:r>
-              <a:rPr lang="en-US" sz="1600" b="0" i="0" u="none" strike="noStrike" cap="none" dirty="0">
-                <a:solidFill>
-                  <a:srgbClr val="1F1D24"/>
-                </a:solidFill>
-                <a:sym typeface="Arial"/>
-              </a:rPr>
-              <a:t>3) </a:t>
-            </a:r>
-            <a:r>
-              <a:rPr lang="en-US" sz="1600" b="0" i="0" u="none" strike="noStrike" cap="none" dirty="0" smtClean="0">
-                <a:solidFill>
-                  <a:srgbClr val="1F1D24"/>
-                </a:solidFill>
-                <a:sym typeface="Arial"/>
-              </a:rPr>
-              <a:t>The </a:t>
-            </a:r>
-            <a:r>
-              <a:rPr lang="en-US" sz="1600" b="0" i="0" u="none" strike="noStrike" cap="none" dirty="0">
-                <a:solidFill>
-                  <a:srgbClr val="1F1D24"/>
-                </a:solidFill>
-                <a:sym typeface="Arial"/>
-              </a:rPr>
-              <a:t>intrusiveness of the ad.</a:t>
+              <a:t>2) The content of the ad 3) The intrusiveness of the ad.</a:t>
             </a:r>
           </a:p>
           <a:p>
@@ -28801,7 +27862,7 @@
               <a:buChar char="•"/>
             </a:pPr>
             <a:r>
-              <a:rPr lang="en-US" sz="2400" b="1" i="0" u="none" strike="noStrike" cap="none" dirty="0" smtClean="0">
+              <a:rPr lang="en-US" sz="2400" b="1" i="0" u="none" strike="noStrike" cap="none" dirty="0">
                 <a:solidFill>
                   <a:srgbClr val="000000"/>
                 </a:solidFill>
@@ -28810,19 +27871,7 @@
                 <a:cs typeface="Arial"/>
                 <a:sym typeface="Arial"/>
               </a:rPr>
-              <a:t>Participants</a:t>
-            </a:r>
-            <a:r>
-              <a:rPr lang="en-US" sz="2400" b="1" i="0" u="none" strike="noStrike" cap="none" dirty="0" smtClean="0">
-                <a:solidFill>
-                  <a:srgbClr val="000000"/>
-                </a:solidFill>
-                <a:latin typeface="Arial"/>
-                <a:ea typeface="Arial"/>
-                <a:cs typeface="Arial"/>
-                <a:sym typeface="Arial"/>
-              </a:rPr>
-              <a:t>:</a:t>
+              <a:t>Participants:</a:t>
             </a:r>
           </a:p>
           <a:p>
@@ -28838,7 +27887,7 @@
               <a:buChar char="o"/>
             </a:pPr>
             <a:r>
-              <a:rPr lang="en-US" sz="1800" b="0" i="0" u="none" strike="noStrike" cap="none" dirty="0" smtClean="0">
+              <a:rPr lang="en-US" sz="1800" b="0" i="0" u="none" strike="noStrike" cap="none" dirty="0">
                 <a:solidFill>
                   <a:srgbClr val="000000"/>
                 </a:solidFill>
@@ -28847,41 +27896,8 @@
                 <a:cs typeface="Arial"/>
                 <a:sym typeface="Arial"/>
               </a:rPr>
-              <a:t>20 </a:t>
+              <a:t>20 college students were recruited and divided into two groups.</a:t>
             </a:r>
-            <a:r>
-              <a:rPr lang="en-US" sz="1800" b="0" i="0" u="none" strike="noStrike" cap="none" dirty="0">
-                <a:solidFill>
-                  <a:srgbClr val="000000"/>
-                </a:solidFill>
-                <a:latin typeface="Arial"/>
-                <a:ea typeface="Arial"/>
-                <a:cs typeface="Arial"/>
-                <a:sym typeface="Arial"/>
-              </a:rPr>
-              <a:t>college students were recruited and divided into two </a:t>
-            </a:r>
-            <a:r>
-              <a:rPr lang="en-US" sz="1800" b="0" i="0" u="none" strike="noStrike" cap="none" dirty="0" smtClean="0">
-                <a:solidFill>
-                  <a:srgbClr val="000000"/>
-                </a:solidFill>
-                <a:latin typeface="Arial"/>
-                <a:ea typeface="Arial"/>
-                <a:cs typeface="Arial"/>
-                <a:sym typeface="Arial"/>
-              </a:rPr>
-              <a:t>groups.</a:t>
-            </a:r>
-            <a:endParaRPr lang="en-US" sz="1800" b="0" i="0" u="none" strike="noStrike" cap="none" dirty="0" smtClean="0">
-              <a:solidFill>
-                <a:srgbClr val="000000"/>
-              </a:solidFill>
-              <a:latin typeface="Arial"/>
-              <a:ea typeface="Arial"/>
-              <a:cs typeface="Arial"/>
-              <a:sym typeface="Arial"/>
-            </a:endParaRPr>
           </a:p>
           <a:p>
             <a:pPr marL="285750" lvl="4" indent="-285750">
@@ -28896,7 +27912,7 @@
               <a:buChar char="o"/>
             </a:pPr>
             <a:r>
-              <a:rPr lang="en-US" sz="1800" b="0" i="0" u="none" strike="noStrike" cap="none" dirty="0" smtClean="0">
+              <a:rPr lang="en-US" sz="1800" b="0" i="0" u="none" strike="noStrike" cap="none" dirty="0">
                 <a:solidFill>
                   <a:srgbClr val="000000"/>
                 </a:solidFill>
@@ -28905,41 +27921,8 @@
                 <a:cs typeface="Arial"/>
                 <a:sym typeface="Arial"/>
               </a:rPr>
-              <a:t>10 participants </a:t>
+              <a:t>10 participants per group, based on a between-subject design.</a:t>
             </a:r>
-            <a:r>
-              <a:rPr lang="en-US" sz="1800" b="0" i="0" u="none" strike="noStrike" cap="none" dirty="0">
-                <a:solidFill>
-                  <a:srgbClr val="000000"/>
-                </a:solidFill>
-                <a:latin typeface="Arial"/>
-                <a:ea typeface="Arial"/>
-                <a:cs typeface="Arial"/>
-                <a:sym typeface="Arial"/>
-              </a:rPr>
-              <a:t>per group, based on a between-subject design</a:t>
-            </a:r>
-            <a:r>
-              <a:rPr lang="en-US" sz="1800" b="0" i="0" u="none" strike="noStrike" cap="none" dirty="0" smtClean="0">
-                <a:solidFill>
-                  <a:srgbClr val="000000"/>
-                </a:solidFill>
-                <a:latin typeface="Arial"/>
-                <a:ea typeface="Arial"/>
-                <a:cs typeface="Arial"/>
-                <a:sym typeface="Arial"/>
-              </a:rPr>
-              <a:t>.</a:t>
-            </a:r>
-            <a:endParaRPr lang="en-US" sz="1800" b="0" i="0" u="none" strike="noStrike" cap="none" dirty="0">
-              <a:solidFill>
-                <a:srgbClr val="000000"/>
-              </a:solidFill>
-              <a:latin typeface="Arial"/>
-              <a:ea typeface="Arial"/>
-              <a:cs typeface="Arial"/>
-              <a:sym typeface="Arial"/>
-            </a:endParaRPr>
           </a:p>
           <a:p>
             <a:pPr marL="342900" marR="0" lvl="3" indent="-342900" algn="l" rtl="0">
@@ -29092,13 +28075,6 @@
   <p:clrMapOvr>
     <a:masterClrMapping/>
   </p:clrMapOvr>
-  <p:timing>
-    <p:tnLst>
-      <p:par>
-        <p:cTn xmlns:p14="http://schemas.microsoft.com/office/powerpoint/2010/main" id="1" dur="indefinite" restart="never" nodeType="tmRoot"/>
-      </p:par>
-    </p:tnLst>
-  </p:timing>
 </p:sld>
 </file>
 
@@ -29508,13 +28484,6 @@
   <p:clrMapOvr>
     <a:masterClrMapping/>
   </p:clrMapOvr>
-  <p:timing>
-    <p:tnLst>
-      <p:par>
-        <p:cTn xmlns:p14="http://schemas.microsoft.com/office/powerpoint/2010/main" id="1" dur="indefinite" restart="never" nodeType="tmRoot"/>
-      </p:par>
-    </p:tnLst>
-  </p:timing>
 </p:sld>
 </file>
 
@@ -29747,29 +28716,8 @@
                 <a:cs typeface="Arial"/>
                 <a:sym typeface="Arial"/>
               </a:rPr>
-              <a:t>Independent variable: Function of the </a:t>
+              <a:t>Independent variable: Function of the commercial</a:t>
             </a:r>
-            <a:r>
-              <a:rPr lang="en-US" sz="2000" b="0" i="0" u="none" strike="noStrike" cap="none" dirty="0" smtClean="0">
-                <a:solidFill>
-                  <a:schemeClr val="accent2"/>
-                </a:solidFill>
-                <a:latin typeface="Arial"/>
-                <a:ea typeface="Arial"/>
-                <a:cs typeface="Arial"/>
-                <a:sym typeface="Arial"/>
-              </a:rPr>
-              <a:t>commercial</a:t>
-            </a:r>
-            <a:endParaRPr lang="en-US" sz="2000" b="0" i="0" u="none" strike="noStrike" cap="none" dirty="0">
-              <a:solidFill>
-                <a:schemeClr val="accent2"/>
-              </a:solidFill>
-              <a:latin typeface="Arial"/>
-              <a:ea typeface="Arial"/>
-              <a:cs typeface="Arial"/>
-              <a:sym typeface="Arial"/>
-            </a:endParaRPr>
           </a:p>
           <a:p>
             <a:pPr marL="274320" marR="0" lvl="1" indent="-7620" algn="l" rtl="0">
@@ -29799,22 +28747,10 @@
                 <a:cs typeface="Arial"/>
                 <a:sym typeface="Arial"/>
               </a:rPr>
-              <a:t>		</a:t>
+              <a:t>		Two leve</a:t>
             </a:r>
             <a:r>
-              <a:rPr lang="en-US" sz="2000" b="0" i="0" u="none" strike="noStrike" cap="none" dirty="0" smtClean="0">
-                <a:solidFill>
-                  <a:schemeClr val="accent2"/>
-                </a:solidFill>
-                <a:latin typeface="Arial"/>
-                <a:ea typeface="Arial"/>
-                <a:cs typeface="Arial"/>
-                <a:sym typeface="Arial"/>
-              </a:rPr>
-              <a:t>Two leve</a:t>
-            </a:r>
-            <a:r>
-              <a:rPr lang="en-US" dirty="0" smtClean="0">
+              <a:rPr lang="en-US" dirty="0">
                 <a:solidFill>
                   <a:schemeClr val="accent2"/>
                 </a:solidFill>
@@ -29822,7 +28758,7 @@
               <a:t>ls: </a:t>
             </a:r>
             <a:r>
-              <a:rPr lang="en-US" sz="2000" b="0" i="0" u="none" strike="noStrike" cap="none" dirty="0" smtClean="0">
+              <a:rPr lang="en-US" sz="2000" b="0" i="0" u="none" strike="noStrike" cap="none" dirty="0">
                 <a:solidFill>
                   <a:schemeClr val="accent2"/>
                 </a:solidFill>
@@ -29833,15 +28769,6 @@
               </a:rPr>
               <a:t>{countdown only, skip and countdown}</a:t>
             </a:r>
-            <a:endParaRPr lang="en-US" sz="2000" b="0" i="0" u="none" strike="noStrike" cap="none" dirty="0">
-              <a:solidFill>
-                <a:schemeClr val="accent2"/>
-              </a:solidFill>
-              <a:latin typeface="Arial"/>
-              <a:ea typeface="Arial"/>
-              <a:cs typeface="Arial"/>
-              <a:sym typeface="Arial"/>
-            </a:endParaRPr>
           </a:p>
           <a:p>
             <a:pPr marL="457200" marR="0" lvl="1" indent="-190500" algn="l" rtl="0">
@@ -29961,13 +28888,6 @@
   <p:clrMapOvr>
     <a:masterClrMapping/>
   </p:clrMapOvr>
-  <p:timing>
-    <p:tnLst>
-      <p:par>
-        <p:cTn xmlns:p14="http://schemas.microsoft.com/office/powerpoint/2010/main" id="1" dur="indefinite" restart="never" nodeType="tmRoot"/>
-      </p:par>
-    </p:tnLst>
-  </p:timing>
 </p:sld>
 </file>
 
@@ -30196,26 +29116,14 @@
                 <a:cs typeface="Arial"/>
                 <a:sym typeface="Arial"/>
               </a:rPr>
-              <a:t>Independent variable: </a:t>
+              <a:t>Independent variable: Subject</a:t>
             </a:r>
             <a:r>
-              <a:rPr lang="en-US" sz="1800" b="0" i="0" u="none" strike="noStrike" cap="none" dirty="0" smtClean="0">
-                <a:solidFill>
-                  <a:srgbClr val="000000"/>
-                </a:solidFill>
-                <a:latin typeface="Arial"/>
-                <a:ea typeface="Arial"/>
-                <a:cs typeface="Arial"/>
-                <a:sym typeface="Arial"/>
-              </a:rPr>
-              <a:t>Subject</a:t>
-            </a:r>
-            <a:r>
-              <a:rPr lang="en-US" sz="1800" dirty="0" smtClean="0"/>
+              <a:rPr lang="en-US" sz="1800" dirty="0"/>
               <a:t>s’</a:t>
             </a:r>
             <a:r>
-              <a:rPr lang="en-US" sz="1800" b="0" i="0" u="none" strike="noStrike" cap="none" dirty="0" smtClean="0">
+              <a:rPr lang="en-US" sz="1800" b="0" i="0" u="none" strike="noStrike" cap="none" dirty="0">
                 <a:solidFill>
                   <a:srgbClr val="000000"/>
                 </a:solidFill>
@@ -30224,19 +29132,7 @@
                 <a:cs typeface="Arial"/>
                 <a:sym typeface="Arial"/>
               </a:rPr>
-              <a:t> experiences, feelings, </a:t>
-            </a:r>
-            <a:r>
-              <a:rPr lang="en-US" sz="1800" b="0" i="0" u="none" strike="noStrike" cap="none" dirty="0">
-                <a:solidFill>
-                  <a:srgbClr val="000000"/>
-                </a:solidFill>
-                <a:latin typeface="Arial"/>
-                <a:ea typeface="Arial"/>
-                <a:cs typeface="Arial"/>
-                <a:sym typeface="Arial"/>
-              </a:rPr>
-              <a:t>and memory.</a:t>
+              <a:t> experiences, feelings, and memory.</a:t>
             </a:r>
           </a:p>
           <a:p>
@@ -30267,26 +29163,14 @@
                 <a:cs typeface="Arial"/>
                 <a:sym typeface="Arial"/>
               </a:rPr>
-              <a:t>Dependent variables: </a:t>
+              <a:t>Dependent variables: Subject</a:t>
             </a:r>
             <a:r>
-              <a:rPr lang="en-US" sz="1800" b="0" i="0" u="none" strike="noStrike" cap="none" dirty="0" smtClean="0">
-                <a:solidFill>
-                  <a:srgbClr val="000000"/>
-                </a:solidFill>
-                <a:latin typeface="Arial"/>
-                <a:ea typeface="Arial"/>
-                <a:cs typeface="Arial"/>
-                <a:sym typeface="Arial"/>
-              </a:rPr>
-              <a:t>Subject</a:t>
-            </a:r>
-            <a:r>
-              <a:rPr lang="en-US" sz="1800" dirty="0" smtClean="0"/>
+              <a:rPr lang="en-US" sz="1800" dirty="0"/>
               <a:t>s’</a:t>
             </a:r>
             <a:r>
-              <a:rPr lang="en-US" sz="1800" b="0" i="0" u="none" strike="noStrike" cap="none" dirty="0" smtClean="0">
+              <a:rPr lang="en-US" sz="1800" b="0" i="0" u="none" strike="noStrike" cap="none" dirty="0">
                 <a:solidFill>
                   <a:srgbClr val="000000"/>
                 </a:solidFill>
@@ -30295,19 +29179,7 @@
                 <a:cs typeface="Arial"/>
                 <a:sym typeface="Arial"/>
               </a:rPr>
-              <a:t> </a:t>
-            </a:r>
-            <a:r>
-              <a:rPr lang="en-US" sz="1800" b="0" i="0" u="none" strike="noStrike" cap="none" dirty="0">
-                <a:solidFill>
-                  <a:srgbClr val="000000"/>
-                </a:solidFill>
-                <a:latin typeface="Arial"/>
-                <a:ea typeface="Arial"/>
-                <a:cs typeface="Arial"/>
-                <a:sym typeface="Arial"/>
-              </a:rPr>
-              <a:t>responses to questions.</a:t>
+              <a:t> responses to questions.</a:t>
             </a:r>
           </a:p>
           <a:p>
@@ -30371,13 +29243,6 @@
   <p:clrMapOvr>
     <a:masterClrMapping/>
   </p:clrMapOvr>
-  <p:timing>
-    <p:tnLst>
-      <p:par>
-        <p:cTn xmlns:p14="http://schemas.microsoft.com/office/powerpoint/2010/main" id="1" dur="indefinite" restart="never" nodeType="tmRoot"/>
-      </p:par>
-    </p:tnLst>
-  </p:timing>
 </p:sld>
 </file>
 
